--- a/Icelandic ID-card - barcode diagrams.pptx
+++ b/Icelandic ID-card - barcode diagrams.pptx
@@ -2723,14 +2723,15 @@
           <inkml:channelProperty channel="OE" name="resolution" value="1000" units="1/deg"/>
         </inkml:channelProperties>
       </inkml:inkSource>
-      <inkml:timestamp xml:id="ts0" timeString="2023-11-20T15:38:26.816"/>
+      <inkml:timestamp xml:id="ts0" timeString="2024-01-18T14:19:42.462"/>
     </inkml:context>
     <inkml:brush xml:id="br0">
-      <inkml:brushProperty name="width" value="0.1" units="cm"/>
-      <inkml:brushProperty name="height" value="0.1" units="cm"/>
+      <inkml:brushProperty name="width" value="0.35" units="cm"/>
+      <inkml:brushProperty name="height" value="0.35" units="cm"/>
+      <inkml:brushProperty name="color" value="#FFFFFF"/>
     </inkml:brush>
   </inkml:definitions>
-  <inkml:trace contextRef="#ctx0" brushRef="#br0">5306 5292 16383 0 0,'-4'0'0'0'0,"-2"4"0"0"0,-3 1 0 0 0,-1 4 0 0 0,-2 13 0 0 0,1 7 0 0 0,-7 6 0 0 0,1 2 0 0 0,-1-2 0 0 0,2 2 0 0 0,0-2 0 0 0,3 2 0 0 0,3-2 0 0 0,-5 6 0 0 0,-3 4 0 0 0,1-2 0 0 0,3 1 0 0 0,0-4 0 0 0,-1-9 0 0 0,1-4 0 0 0,3-4 0 0 0,4-2 0 0 0,3 1 0 0 0,-2-1 0 0 0,0 1 0 0 0,1 1 0 0 0,-3 1 0 0 0,0 3 0 0 0,-2 7 0 0 0,0 5 0 0 0,1 0 0 0 0,-1-3 0 0 0,-3 1 0 0 0,1-1 0 0 0,1-4 0 0 0,0-2 0 0 0,1 1 0 0 0,3 0 0 0 0,2 3 0 0 0,2-1 0 0 0,-3 3 0 0 0,0-1 0 0 0,1 6 0 0 0,-3 4 0 0 0,0-1 0 0 0,2-1 0 0 0,1 2 0 0 0,2-4 0 0 0,1-4 0 0 0,1-5 0 0 0,1-3 0 0 0,0-3 0 0 0,1-1 0 0 0,-1-2 0 0 0,0 1 0 0 0,-3-1 0 0 0,-3 0 0 0 0,1 1 0 0 0,1-1 0 0 0,1 1 0 0 0,1 0 0 0 0,1 0 0 0 0,1 0 0 0 0,-4 0 0 0 0,-2 0 0 0 0,1 0 0 0 0,1 0 0 0 0,2 5 0 0 0,-4 4 0 0 0,0 2 0 0 0,0-2 0 0 0,2-1 0 0 0,1-4 0 0 0,1 3 0 0 0,2 0 0 0 0,-1 3 0 0 0,2-1 0 0 0,-1 3 0 0 0,0-1 0 0 0,0 2 0 0 0,0-1 0 0 0,1-3 0 0 0,-5-3 0 0 0,-2-2 0 0 0,1-2 0 0 0,1-2 0 0 0,-3 0 0 0 0,-1 0 0 0 0,2 3 0 0 0,2 2 0 0 0,1 4 0 0 0,1 5 0 0 0,1-1 0 0 0,1 3 0 0 0,0 1 0 0 0,1-1 0 0 0,-1-4 0 0 0,0-3 0 0 0,0-4 0 0 0,1-3 0 0 0,-1-1 0 0 0,0-1 0 0 0,0 0 0 0 0,0-1 0 0 0,0 4 0 0 0,0 2 0 0 0,-5 4 0 0 0,-4 1 0 0 0,-2-2 0 0 0,2-2 0 0 0,2 2 0 0 0,2 0 0 0 0,2 2 0 0 0,2 0 0 0 0,0-2 0 0 0,2-2 0 0 0,-1 1 0 0 0,0 1 0 0 0,1-2 0 0 0,-1-2 0 0 0,0-1 0 0 0,0-2 0 0 0,1 0 0 0 0,-1 3 0 0 0,0 5 0 0 0,0 2 0 0 0,0-2 0 0 0,-1-2 0 0 0,1-3 0 0 0,0-1 0 0 0,0-2 0 0 0,0 0 0 0 0,0-1 0 0 0,0-1 0 0 0,0 1 0 0 0,0 0 0 0 0,0-1 0 0 0,0 1 0 0 0,0 0 0 0 0,0 0 0 0 0,0 0 0 0 0,0 0 0 0 0,0 0 0 0 0,0 0 0 0 0,0 1 0 0 0,0 3 0 0 0,0 1 0 0 0,0 0 0 0 0,0 0 0 0 0,0-2 0 0 0,0-1 0 0 0,0-1 0 0 0,0-1 0 0 0,0 0 0 0 0,5 8 0 0 0,0 3 0 0 0,0 3 0 0 0,-1 0 0 0 0,-1-3 0 0 0,3 1 0 0 0,1-2 0 0 0,-2-2 0 0 0,-1-3 0 0 0,-1-2 0 0 0,-1 3 0 0 0,-1 4 0 0 0,3 0 0 0 0,1-1 0 0 0,0-2 0 0 0,-1-3 0 0 0,-1-1 0 0 0,3-2 0 0 0,0 4 0 0 0,3 0 0 0 0,1 0 0 0 0,-2-2 0 0 0,2-4 0 0 0,-1-3 0 0 0,2 0 0 0 0,4 0 0 0 0,3 1 0 0 0,2 1 0 0 0,3-3 0 0 0,0-1 0 0 0,2 0 0 0 0,-1-2 0 0 0,1-4 0 0 0,0-4 0 0 0,-1-4 0 0 0,1-2 0 0 0,-1 3 0 0 0,0 0 0 0 0,0-1 0 0 0,-4 3 0 0 0,-1 1 0 0 0,-1-1 0 0 0,-2 2 0 0 0,0-1 0 0 0,1-1 0 0 0,2-2 0 0 0,1-2 0 0 0,3-1 0 0 0,0-1 0 0 0,1-1 0 0 0,0-1 0 0 0,0 1 0 0 0,-3 0 0 0 0</inkml:trace>
+  <inkml:trace contextRef="#ctx0" brushRef="#br0">4651 8764 16383 0 0,'0'4'0'0'0,"0"5"0"0"0,0 6 0 0 0,0 8 0 0 0,0 4 0 0 0,4 2 0 0 0,2 8 0 0 0,-1 2 0 0 0,-1 7 0 0 0,-1 7 0 0 0,3 7 0 0 0,1 11 0 0 0,-2 0 0 0 0,-1 5 0 0 0,3 1 0 0 0,0-7 0 0 0,3-8 0 0 0,0-11 0 0 0,-2-9 0 0 0,-2-9 0 0 0,-2 0 0 0 0,-2 1 0 0 0,-2 7 0 0 0,1 14 0 0 0,-2 1 0 0 0,1 7 0 0 0,-1-2 0 0 0,1-8 0 0 0,0-17 0 0 0,0-23 0 0 0,0-18 0 0 0,-1-11 0 0 0,1-17 0 0 0,0-5 0 0 0,0-1 0 0 0,-8 6 0 0 0,-7 37 0 0 0,-5 55 0 0 0,-7 54 0 0 0,1 45 0 0 0,5 24 0 0 0,6 2 0 0 0,5-27 0 0 0,5-44 0 0 0,3-45 0 0 0,6-42 0 0 0,2-35 0 0 0,1-18 0 0 0,-2-18 0 0 0,3-14 0 0 0,0-8 0 0 0,3 2 0 0 0,-1 5 0 0 0,-2 8 0 0 0,-2 9 0 0 0,-2 8 0 0 0,2 9 0 0 0,4 26 0 0 0,5 25 0 0 0,3 29 0 0 0,8 22 0 0 0,-2 9 0 0 0,1 8 0 0 0,-2 3 0 0 0,-3-5 0 0 0,-2-11 0 0 0,-3-15 0 0 0,-5-14 0 0 0,-4-11 0 0 0,2-14 0 0 0,-2-18 0 0 0,-1-23 0 0 0,-1-22 0 0 0,6-16 0 0 0,2-4 0 0 0,-1 5 0 0 0,-3 2 0 0 0,-2 1 0 0 0,-3 6 0 0 0,-1 1 0 0 0,-2-4 0 0 0,0 2 0 0 0,-4-13 0 0 0,-2-12 0 0 0,-8-16 0 0 0,-2-13 0 0 0,-1-10 0 0 0,1-8 0 0 0,4 8 0 0 0,-1 14 0 0 0,3 15 0 0 0,2 8 0 0 0,3 9 0 0 0,3-2 0 0 0,1-6 0 0 0,0-21 0 0 0,2-14 0 0 0,-1-10 0 0 0,1-6 0 0 0,-1 9 0 0 0,0 20 0 0 0,1 21 0 0 0,-5 19 0 0 0,-2 14 0 0 0,1 6 0 0 0,-3-1 0 0 0,-1-10 0 0 0,2-15 0 0 0,2-6 0 0 0,2 1 0 0 0,1 2 0 0 0,1 8 0 0 0,1 8 0 0 0,0 8 0 0 0,1 6 0 0 0,-1 5 0 0 0,0 2 0 0 0,0-7 0 0 0,1-2 0 0 0,-1-8 0 0 0,0-5 0 0 0,0 1 0 0 0,0 4 0 0 0,0 5 0 0 0,0 5 0 0 0,0-1 0 0 0,0 1 0 0 0,0-2 0 0 0,0 0 0 0 0,0-3 0 0 0,0-2 0 0 0,0 0 0 0 0,0 2 0 0 0,0 5 0 0 0,0 2 0 0 0,0 2 0 0 0,0-2 0 0 0,0-1 0 0 0,0-6 0 0 0,0-3 0 0 0,0-2 0 0 0,0 14 0 0 0,0 36 0 0 0,0 50 0 0 0,0 50 0 0 0,0 37 0 0 0,0 21 0 0 0,0 3 0 0 0,0-15 0 0 0,0-30 0 0 0,0-32 0 0 0,0-28 0 0 0,0-20 0 0 0,0-15 0 0 0,0 5 0 0 0,0 4 0 0 0,0 8 0 0 0,0 16 0 0 0,0 14 0 0 0,0 6 0 0 0,0 2 0 0 0,0-11 0 0 0,0-12 0 0 0,0-14 0 0 0,0-11 0 0 0,0-3 0 0 0,0 1 0 0 0,0-2 0 0 0,-4 6 0 0 0,-6 5 0 0 0,-1 2 0 0 0,-2 3 0 0 0,0-4 0 0 0,-1-1 0 0 0,-2 0 0 0 0,1-3 0 0 0,3 3 0 0 0,4 3 0 0 0,3 5 0 0 0,-1 11 0 0 0,0 11 0 0 0,1 12 0 0 0,1 9 0 0 0,2 9 0 0 0,1-6 0 0 0,0-7 0 0 0,1-14 0 0 0,0-17 0 0 0,1-15 0 0 0,-1-10 0 0 0,0-7 0 0 0,0-5 0 0 0,0 3 0 0 0,0 4 0 0 0,0 10 0 0 0,0 6 0 0 0,0 0 0 0 0,0-1 0 0 0,0-3 0 0 0,4-5 0 0 0,2-4 0 0 0,3-5 0 0 0,5-6 0 0 0,4-3 0 0 0,6 0 0 0 0,5-1 0 0 0,0 3 0 0 0,0-4 0 0 0,-1 0 0 0 0,-2-3 0 0 0,0-4 0 0 0,-1-3 0 0 0,3-4 0 0 0,2-1 0 0 0,3-10 0 0 0,-4-12 0 0 0,-2-10 0 0 0,-2-9 0 0 0,-6-5 0 0 0,-1 0 0 0 0,-4 4 0 0 0,-4 0 0 0 0,-5 3 0 0 0,-2 4 0 0 0,-2 3 0 0 0,-1 11 0 0 0,3 13 0 0 0,2 16 0 0 0,8 9 0 0 0,1 7 0 0 0,-1 2 0 0 0,1 1 0 0 0,2-5 0 0 0,3-6 0 0 0,2-6 0 0 0,2-6 0 0 0,0-3 0 0 0,1-2 0 0 0,1-2 0 0 0,-1 0 0 0 0,-3-5 0 0 0,-2-4 0 0 0,-4-6 0 0 0,-5-3 0 0 0,-8-3 0 0 0,-4-2 0 0 0,-2 3 0 0 0</inkml:trace>
 </inkml:ink>
 </file>
 
@@ -2743,26 +2744,22 @@
           <inkml:channel name="X" type="integer" min="-2.14748E9" max="2.14748E9" units="cm"/>
           <inkml:channel name="Y" type="integer" min="-2.14748E9" max="2.14748E9" units="cm"/>
           <inkml:channel name="F" type="integer" max="32767" units="dev"/>
-          <inkml:channel name="OA" type="integer" max="360" units="deg"/>
-          <inkml:channel name="OE" type="integer" max="90" units="deg"/>
         </inkml:traceFormat>
         <inkml:channelProperties>
           <inkml:channelProperty channel="X" name="resolution" value="1000" units="1/cm"/>
           <inkml:channelProperty channel="Y" name="resolution" value="1000" units="1/cm"/>
           <inkml:channelProperty channel="F" name="resolution" value="0" units="1/dev"/>
-          <inkml:channelProperty channel="OA" name="resolution" value="1000" units="1/deg"/>
-          <inkml:channelProperty channel="OE" name="resolution" value="1000" units="1/deg"/>
         </inkml:channelProperties>
       </inkml:inkSource>
-      <inkml:timestamp xml:id="ts0" timeString="2024-01-18T14:19:42.461"/>
+      <inkml:timestamp xml:id="ts0" timeString="2024-02-27T11:14:25.551"/>
     </inkml:context>
     <inkml:brush xml:id="br0">
-      <inkml:brushProperty name="width" value="0.1" units="cm"/>
-      <inkml:brushProperty name="height" value="0.1" units="cm"/>
-      <inkml:brushProperty name="color" value="#FFFFFF"/>
+      <inkml:brushProperty name="width" value="0.05" units="cm"/>
+      <inkml:brushProperty name="height" value="0.05" units="cm"/>
+      <inkml:brushProperty name="color" value="#004F8B"/>
     </inkml:brush>
   </inkml:definitions>
-  <inkml:trace contextRef="#ctx0" brushRef="#br0">5235 5294 16383 0 0,'4'0'0'0'0,"1"4"0"0"0,1 6 0 0 0,-10 8 0 0 0,-4 7 0 0 0,-5 2 0 0 0,-4 5 0 0 0,1 1 0 0 0,-1-1 0 0 0,2 2 0 0 0,0 0 0 0 0,2-2 0 0 0,0-3 0 0 0,1-1 0 0 0,4-2 0 0 0,-2-6 0 0 0,5-18 0 0 0,8-17 0 0 0,7-15 0 0 0,11-10 0 0 0,5-11 0 0 0,2-1 0 0 0,1 1 0 0 0,0 5 0 0 0,-2 1 0 0 0,-1 9 0 0 0,-5 7 0 0 0,-1 3 0 0 0,-1 7 0 0 0,-4 11 0 0 0,-3 10 0 0 0,-5 13 0 0 0,-7 5 0 0 0,-4 2 0 0 0,-5 6 0 0 0,-5-2 0 0 0,-1-1 0 0 0,-1-5 0 0 0,2-2 0 0 0,3 0 0 0 0,0-2 0 0 0,1-1 0 0 0,3 2 0 0 0,-2 1 0 0 0,1 3 0 0 0,-3-3 0 0 0,1 0 0 0 0,2 1 0 0 0,-1-3 0 0 0,0 0 0 0 0,2 1 0 0 0,2-6 0 0 0,2-13 0 0 0,10-27 0 0 0,7-25 0 0 0,10-19 0 0 0,5-10 0 0 0,1 5 0 0 0,0 4 0 0 0,-5 10 0 0 0,-7 12 0 0 0,-6 11 0 0 0,-6 16 0 0 0,-3 25 0 0 0,-7 37 0 0 0,-14 41 0 0 0,-18 35 0 0 0,-9 16 0 0 0,-6 5 0 0 0,1-11 0 0 0,6-10 0 0 0,10-17 0 0 0,-2-8 0 0 0,6-10 0 0 0,4-11 0 0 0,6-13 0 0 0,6-19 0 0 0,6-24 0 0 0,13-34 0 0 0,13-34 0 0 0,7-40 0 0 0,13-36 0 0 0,7-20 0 0 0,-3 12 0 0 0,-10 26 0 0 0,-5 24 0 0 0,-12 28 0 0 0,-13 32 0 0 0,-14 43 0 0 0,-10 34 0 0 0,0 23 0 0 0,-2 12 0 0 0,0-5 0 0 0,4-10 0 0 0,5-33 0 0 0,6-30 0 0 0,3-25 0 0 0,4-11 0 0 0,2-5 0 0 0,0 0 0 0 0,1 2 0 0 0,0 16 0 0 0,-4 32 0 0 0,-2 17 0 0 0,1 8 0 0 0,0 3 0 0 0,1-15 0 0 0,5-32 0 0 0,7-30 0 0 0,13-39 0 0 0,8-13 0 0 0,2-1 0 0 0,-4 12 0 0 0,-6 14 0 0 0,-4 18 0 0 0,-4 22 0 0 0,-5 18 0 0 0,-4 15 0 0 0,-3 9 0 0 0,-1 6 0 0 0,-1 16 0 0 0,-1 25 0 0 0,-4 18 0 0 0,-1 7 0 0 0,-4 9 0 0 0,0-1 0 0 0,1-4 0 0 0,-1-6 0 0 0,1-13 0 0 0,-3-17 0 0 0,1-13 0 0 0,3-10 0 0 0,2-7 0 0 0,-1-5 0 0 0,0-1 0 0 0,1-1 0 0 0,2-12 0 0 0,1-28 0 0 0,2-35 0 0 0,0-42 0 0 0,1-36 0 0 0,0-25 0 0 0,5-7 0 0 0,5 10 0 0 0,0 21 0 0 0,0 26 0 0 0,-3 39 0 0 0,-6 64 0 0 0,-8 65 0 0 0,-18 60 0 0 0,-14 33 0 0 0,-8 15 0 0 0,-1-5 0 0 0,5-14 0 0 0,9-20 0 0 0,6-28 0 0 0,8-19 0 0 0,12-32 0 0 0,7-45 0 0 0,7-32 0 0 0,4-15 0 0 0,3-10 0 0 0,-4 22 0 0 0,-16 51 0 0 0,-19 63 0 0 0,-10 50 0 0 0,2 19 0 0 0,7-9 0 0 0,7-26 0 0 0,8-40 0 0 0,6-58 0 0 0,3-71 0 0 0,3-66 0 0 0,1-51 0 0 0,0-22 0 0 0,1 10 0 0 0,-1 30 0 0 0,-4 38 0 0 0,-6 40 0 0 0,-5 58 0 0 0,-1 59 0 0 0,3 47 0 0 0,2 31 0 0 0,5 8 0 0 0,1-15 0 0 0,7-44 0 0 0,10-54 0 0 0,16-51 0 0 0,15-41 0 0 0,0-12 0 0 0,-4 5 0 0 0,-4 19 0 0 0,-4 46 0 0 0,-8 32 0 0 0,-7 27 0 0 0,-8 9 0 0 0,0 0 0 0 0,-2-13 0 0 0,-3-18 0 0 0,-1-20 0 0 0,-1-15 0 0 0,-2-14 0 0 0,0-9 0 0 0,0-4 0 0 0,-1 1 0 0 0,1 12 0 0 0,0 18 0 0 0,-1 15 0 0 0,1 10 0 0 0,0 7 0 0 0,0-21 0 0 0,8-35 0 0 0,7-37 0 0 0,9-35 0 0 0,5-4 0 0 0,-3 13 0 0 0,-6 18 0 0 0,-6 27 0 0 0,-6 38 0 0 0,-12 46 0 0 0,-5 34 0 0 0,-6 13 0 0 0,-4-2 0 0 0,2-11 0 0 0,2-20 0 0 0,5-36 0 0 0,4-30 0 0 0,7-38 0 0 0,3-21 0 0 0,1-5 0 0 0,0 7 0 0 0,-1 20 0 0 0,-1 45 0 0 0,-14 61 0 0 0,-17 59 0 0 0,-7 34 0 0 0,-3 7 0 0 0,6-19 0 0 0,4-32 0 0 0,10-32 0 0 0,9-32 0 0 0,10-22 0 0 0,5-9 0 0 0,1 24 0 0 0,-17 51 0 0 0,-14 50 0 0 0,-17 39 0 0 0,-4 16 0 0 0,5-15 0 0 0,5-28 0 0 0,9-35 0 0 0,9-46 0 0 0,11-63 0 0 0,19-68 0 0 0,15-66 0 0 0,7-59 0 0 0,11-34 0 0 0,-4-1 0 0 0,0 13 0 0 0,-7 41 0 0 0,-10 69 0 0 0,-20 96 0 0 0,-7 28 0 0 0,-22 112 0 0 0,-34 122 0 0 0,-24 72 0 0 0,-5 21 0 0 0,6-30 0 0 0,15-65 0 0 0,17-70 0 0 0,18-74 0 0 0,30-87 0 0 0,23-87 0 0 0,21-77 0 0 0,15-63 0 0 0,10-24 0 0 0,-3 8 0 0 0,-12 37 0 0 0,-15 68 0 0 0,-14 91 0 0 0,-15 108 0 0 0,-18 114 0 0 0,-15 82 0 0 0,-8 27 0 0 0,2-25 0 0 0,6-56 0 0 0,7-82 0 0 0,15-96 0 0 0,11-93 0 0 0,9-78 0 0 0,9-67 0 0 0,4-44 0 0 0,1-11 0 0 0,-1 18 0 0 0,-5 39 0 0 0,-8 49 0 0 0,-3 50 0 0 0,-7 48 0 0 0,-10 61 0 0 0,-16 61 0 0 0,-14 59 0 0 0,-14 39 0 0 0,-6 19 0 0 0,5-20 0 0 0,10-34 0 0 0,16-53 0 0 0,20-70 0 0 0,13-66 0 0 0,10-56 0 0 0,9-40 0 0 0,3-19 0 0 0,-4-5 0 0 0,-7 5 0 0 0,-4 31 0 0 0,-5 35 0 0 0,-4 46 0 0 0,-1 53 0 0 0,3 59 0 0 0,0 32 0 0 0,1 22 0 0 0,2-5 0 0 0,0-16 0 0 0,0-20 0 0 0,-1-34 0 0 0,0-47 0 0 0,14-60 0 0 0,7-42 0 0 0,9-26 0 0 0,2-7 0 0 0,-3 14 0 0 0,-5 25 0 0 0,-13 38 0 0 0,-19 52 0 0 0,-18 48 0 0 0,-16 40 0 0 0,-7 16 0 0 0,2-4 0 0 0,8-28 0 0 0,7-35 0 0 0,6-34 0 0 0,3-31 0 0 0,1-17 0 0 0,-1-5 0 0 0,-4 0 0 0 0,-3 15 0 0 0,1 25 0 0 0,3 24 0 0 0,3 18 0 0 0,4 13 0 0 0,2 6 0 0 0,-2 6 0 0 0,0-1 0 0 0,0-10 0 0 0,-3-16 0 0 0,1-13 0 0 0,0-11 0 0 0,2-13 0 0 0,2-9 0 0 0,1-5 0 0 0,2-3 0 0 0,-1 21 0 0 0,2 38 0 0 0,-1 41 0 0 0,0 31 0 0 0,1 15 0 0 0,-1 3 0 0 0,0-13 0 0 0,0-20 0 0 0,0-17 0 0 0,0-16 0 0 0,4-18 0 0 0,10-31 0 0 0,2-34 0 0 0,2-39 0 0 0,-1-23 0 0 0,-4-22 0 0 0,0-3 0 0 0,-2 9 0 0 0,1 19 0 0 0,-2 32 0 0 0,-2 47 0 0 0,-2 39 0 0 0,-3 25 0 0 0,-2 12 0 0 0,0-14 0 0 0,-1-24 0 0 0,-1-22 0 0 0,1-19 0 0 0,-1-14 0 0 0,1-9 0 0 0,-1 0 0 0 0,1 16 0 0 0,-4 16 0 0 0,-5 12 0 0 0,-2 9 0 0 0,2 8 0 0 0,-3 2 0 0 0,2 5 0 0 0,2 4 0 0 0,-1-3 0 0 0,0-1 0 0 0,2-9 0 0 0,2-10 0 0 0,2-10 0 0 0,2-8 0 0 0,0-9 0 0 0,1-5 0 0 0,1-2 0 0 0,-1 1 0 0 0,-8 5 0 0 0,-6 15 0 0 0,-6 18 0 0 0,1 11 0 0 0,0 6 0 0 0,2 8 0 0 0,1-2 0 0 0,3-2 0 0 0,4-3 0 0 0,3 0 0 0 0,2-2 0 0 0,3 0 0 0 0,-3 0 0 0 0,-1-1 0 0 0,0 5 0 0 0,2 1 0 0 0,0 9 0 0 0,2 1 0 0 0,0-2 0 0 0,1 9 0 0 0,0 2 0 0 0,0-5 0 0 0,0 0 0 0 0,0 0 0 0 0,1 1 0 0 0,-1 2 0 0 0,0 0 0 0 0,0 5 0 0 0,0 7 0 0 0,0 5 0 0 0,0 0 0 0 0,0 6 0 0 0,0 3 0 0 0,0 6 0 0 0,0 6 0 0 0,0 1 0 0 0,0-2 0 0 0,-4-2 0 0 0,-2-7 0 0 0,1-9 0 0 0,1-6 0 0 0,1-1 0 0 0,1-6 0 0 0,1-5 0 0 0,1-1 0 0 0,0-1 0 0 0,0 5 0 0 0,0-2 0 0 0,0-6 0 0 0,0-1 0 0 0,-3-8 0 0 0,-11-10 0 0 0,-2-8 0 0 0</inkml:trace>
+  <inkml:trace contextRef="#ctx0" brushRef="#br0">687 1 24575,'-11'1'0,"0"0"0,0 1 0,0 1 0,1 0 0,-1 0 0,1 1 0,-1 1 0,1-1 0,-19 13 0,-5 6 0,-39 33 0,38-25 0,1 2 0,3 1 0,0 1 0,2 2 0,2 0 0,-26 49 0,18-22 0,4 2 0,2 0 0,-24 87 0,39-95 0,2 2 0,4-1 0,-2 66 0,-2 8 0,2 12 0,9 146 0,3-130 0,1-122 0,2 0 0,1-1 0,3 0 0,0-1 0,3 1 0,1-2 0,23 47 0,-28-69 0,-1 0 0,2-1 0,0-1 0,1 1 0,20 20 0,63 50 0,-87-78 0,35 26 0,80 46 0,-38-27 0,-73-45-85,1-1 0,0 0-1,0 0 1,0-1 0,0 0-1,1-1 1,-1 0 0,1-1-1,-1-1 1,1 1 0,-1-2-1,1 0 1,-1 0 0,1-1-1,20-6 1,-10 2-6741</inkml:trace>
 </inkml:ink>
 </file>
 
@@ -2775,26 +2772,22 @@
           <inkml:channel name="X" type="integer" min="-2.14748E9" max="2.14748E9" units="cm"/>
           <inkml:channel name="Y" type="integer" min="-2.14748E9" max="2.14748E9" units="cm"/>
           <inkml:channel name="F" type="integer" max="32767" units="dev"/>
-          <inkml:channel name="OA" type="integer" max="360" units="deg"/>
-          <inkml:channel name="OE" type="integer" max="90" units="deg"/>
         </inkml:traceFormat>
         <inkml:channelProperties>
           <inkml:channelProperty channel="X" name="resolution" value="1000" units="1/cm"/>
           <inkml:channelProperty channel="Y" name="resolution" value="1000" units="1/cm"/>
           <inkml:channelProperty channel="F" name="resolution" value="0" units="1/dev"/>
-          <inkml:channelProperty channel="OA" name="resolution" value="1000" units="1/deg"/>
-          <inkml:channelProperty channel="OE" name="resolution" value="1000" units="1/deg"/>
         </inkml:channelProperties>
       </inkml:inkSource>
-      <inkml:timestamp xml:id="ts0" timeString="2024-01-18T14:19:42.462"/>
+      <inkml:timestamp xml:id="ts0" timeString="2024-02-27T11:14:31.278"/>
     </inkml:context>
     <inkml:brush xml:id="br0">
-      <inkml:brushProperty name="width" value="0.35" units="cm"/>
-      <inkml:brushProperty name="height" value="0.35" units="cm"/>
-      <inkml:brushProperty name="color" value="#FFFFFF"/>
+      <inkml:brushProperty name="width" value="0.05" units="cm"/>
+      <inkml:brushProperty name="height" value="0.05" units="cm"/>
+      <inkml:brushProperty name="color" value="#004F8B"/>
     </inkml:brush>
   </inkml:definitions>
-  <inkml:trace contextRef="#ctx0" brushRef="#br0">4651 8764 16383 0 0,'0'4'0'0'0,"0"5"0"0"0,0 6 0 0 0,0 8 0 0 0,0 4 0 0 0,4 2 0 0 0,2 8 0 0 0,-1 2 0 0 0,-1 7 0 0 0,-1 7 0 0 0,3 7 0 0 0,1 11 0 0 0,-2 0 0 0 0,-1 5 0 0 0,3 1 0 0 0,0-7 0 0 0,3-8 0 0 0,0-11 0 0 0,-2-9 0 0 0,-2-9 0 0 0,-2 0 0 0 0,-2 1 0 0 0,-2 7 0 0 0,1 14 0 0 0,-2 1 0 0 0,1 7 0 0 0,-1-2 0 0 0,1-8 0 0 0,0-17 0 0 0,0-23 0 0 0,0-18 0 0 0,-1-11 0 0 0,1-17 0 0 0,0-5 0 0 0,0-1 0 0 0,-8 6 0 0 0,-7 37 0 0 0,-5 55 0 0 0,-7 54 0 0 0,1 45 0 0 0,5 24 0 0 0,6 2 0 0 0,5-27 0 0 0,5-44 0 0 0,3-45 0 0 0,6-42 0 0 0,2-35 0 0 0,1-18 0 0 0,-2-18 0 0 0,3-14 0 0 0,0-8 0 0 0,3 2 0 0 0,-1 5 0 0 0,-2 8 0 0 0,-2 9 0 0 0,-2 8 0 0 0,2 9 0 0 0,4 26 0 0 0,5 25 0 0 0,3 29 0 0 0,8 22 0 0 0,-2 9 0 0 0,1 8 0 0 0,-2 3 0 0 0,-3-5 0 0 0,-2-11 0 0 0,-3-15 0 0 0,-5-14 0 0 0,-4-11 0 0 0,2-14 0 0 0,-2-18 0 0 0,-1-23 0 0 0,-1-22 0 0 0,6-16 0 0 0,2-4 0 0 0,-1 5 0 0 0,-3 2 0 0 0,-2 1 0 0 0,-3 6 0 0 0,-1 1 0 0 0,-2-4 0 0 0,0 2 0 0 0,-4-13 0 0 0,-2-12 0 0 0,-8-16 0 0 0,-2-13 0 0 0,-1-10 0 0 0,1-8 0 0 0,4 8 0 0 0,-1 14 0 0 0,3 15 0 0 0,2 8 0 0 0,3 9 0 0 0,3-2 0 0 0,1-6 0 0 0,0-21 0 0 0,2-14 0 0 0,-1-10 0 0 0,1-6 0 0 0,-1 9 0 0 0,0 20 0 0 0,1 21 0 0 0,-5 19 0 0 0,-2 14 0 0 0,1 6 0 0 0,-3-1 0 0 0,-1-10 0 0 0,2-15 0 0 0,2-6 0 0 0,2 1 0 0 0,1 2 0 0 0,1 8 0 0 0,1 8 0 0 0,0 8 0 0 0,1 6 0 0 0,-1 5 0 0 0,0 2 0 0 0,0-7 0 0 0,1-2 0 0 0,-1-8 0 0 0,0-5 0 0 0,0 1 0 0 0,0 4 0 0 0,0 5 0 0 0,0 5 0 0 0,0-1 0 0 0,0 1 0 0 0,0-2 0 0 0,0 0 0 0 0,0-3 0 0 0,0-2 0 0 0,0 0 0 0 0,0 2 0 0 0,0 5 0 0 0,0 2 0 0 0,0 2 0 0 0,0-2 0 0 0,0-1 0 0 0,0-6 0 0 0,0-3 0 0 0,0-2 0 0 0,0 14 0 0 0,0 36 0 0 0,0 50 0 0 0,0 50 0 0 0,0 37 0 0 0,0 21 0 0 0,0 3 0 0 0,0-15 0 0 0,0-30 0 0 0,0-32 0 0 0,0-28 0 0 0,0-20 0 0 0,0-15 0 0 0,0 5 0 0 0,0 4 0 0 0,0 8 0 0 0,0 16 0 0 0,0 14 0 0 0,0 6 0 0 0,0 2 0 0 0,0-11 0 0 0,0-12 0 0 0,0-14 0 0 0,0-11 0 0 0,0-3 0 0 0,0 1 0 0 0,0-2 0 0 0,-4 6 0 0 0,-6 5 0 0 0,-1 2 0 0 0,-2 3 0 0 0,0-4 0 0 0,-1-1 0 0 0,-2 0 0 0 0,1-3 0 0 0,3 3 0 0 0,4 3 0 0 0,3 5 0 0 0,-1 11 0 0 0,0 11 0 0 0,1 12 0 0 0,1 9 0 0 0,2 9 0 0 0,1-6 0 0 0,0-7 0 0 0,1-14 0 0 0,0-17 0 0 0,1-15 0 0 0,-1-10 0 0 0,0-7 0 0 0,0-5 0 0 0,0 3 0 0 0,0 4 0 0 0,0 10 0 0 0,0 6 0 0 0,0 0 0 0 0,0-1 0 0 0,0-3 0 0 0,4-5 0 0 0,2-4 0 0 0,3-5 0 0 0,5-6 0 0 0,4-3 0 0 0,6 0 0 0 0,5-1 0 0 0,0 3 0 0 0,0-4 0 0 0,-1 0 0 0 0,-2-3 0 0 0,0-4 0 0 0,-1-3 0 0 0,3-4 0 0 0,2-1 0 0 0,3-10 0 0 0,-4-12 0 0 0,-2-10 0 0 0,-2-9 0 0 0,-6-5 0 0 0,-1 0 0 0 0,-4 4 0 0 0,-4 0 0 0 0,-5 3 0 0 0,-2 4 0 0 0,-2 3 0 0 0,-1 11 0 0 0,3 13 0 0 0,2 16 0 0 0,8 9 0 0 0,1 7 0 0 0,-1 2 0 0 0,1 1 0 0 0,2-5 0 0 0,3-6 0 0 0,2-6 0 0 0,2-6 0 0 0,0-3 0 0 0,1-2 0 0 0,1-2 0 0 0,-1 0 0 0 0,-3-5 0 0 0,-2-4 0 0 0,-4-6 0 0 0,-5-3 0 0 0,-8-3 0 0 0,-4-2 0 0 0,-2 3 0 0 0</inkml:trace>
+  <inkml:trace contextRef="#ctx0" brushRef="#br0">436 0 24575,'-3'1'0,"1"-1"0,-1 1 0,1 0 0,-1-1 0,1 1 0,-1 1 0,1-1 0,-1 0 0,1 1 0,0-1 0,0 1 0,0-1 0,0 1 0,-3 4 0,-30 34 0,23-24 0,-28 28 0,3 3 0,2 0 0,2 2 0,2 2 0,-29 64 0,41-58 0,2 1 0,3 0 0,2 1 0,-4 62 0,-7 37 0,15-91 0,3 0 0,6 123 0,2-67 0,-5-36 0,5 92 0,2-146 0,2 1 0,2-1 0,24 62 0,5 16 0,-26-72 0,2-2 0,1 0 0,2-1 0,23 35 0,94 129 0,30 47 0,-140-211 0,54 58 0,-52-65 0,-1 2 0,33 51 0,-32-44 0,1-2 0,3-1 0,0 0 0,56 46 0,-53-50 0,13 25 0,-39-46 0,1 0 0,0 0 0,0-1 0,1 0 0,18 15 0,-9-10 0,-1 1 0,0 0 0,-1 2 0,-1 0 0,0 0 0,16 28 0,-28-41 0,-2 0 0,1 0 0,0 1 0,-1-1 0,1 1 0,-1-1 0,-1 0 0,1 1 0,0 0 0,-1-1 0,0 1 0,0-1 0,-1 1 0,1-1 0,-1 1 0,0-1 0,0 1 0,-2 4 0,-4 12 0,-2-1 0,-15 30 0,15-31 0,-128 204 0,50-89 0,-14 43 0,72-121 0,-29 86 0,43-103 0,-8 31 0,-19 95 0,26-95 0,2-4 0,3 1 0,3 0 0,0 115 0,6-48 0,5 113 0,1-228 0,1 0 0,1 0 0,0 0 0,1-1 0,1 0 0,19 31 0,-5-8 0,-16-30 0,1 1 0,1-1 0,0 0 0,1 0 0,0-1 0,0-1 0,1 1 0,1-1 0,-1-1 0,15 9 0,16 7 0,72 30 0,14 9 0,-110-54-1365,-2-3-5461</inkml:trace>
 </inkml:ink>
 </file>
 
@@ -2807,25 +2800,50 @@
           <inkml:channel name="X" type="integer" min="-2.14748E9" max="2.14748E9" units="cm"/>
           <inkml:channel name="Y" type="integer" min="-2.14748E9" max="2.14748E9" units="cm"/>
           <inkml:channel name="F" type="integer" max="32767" units="dev"/>
-          <inkml:channel name="OA" type="integer" max="360" units="deg"/>
-          <inkml:channel name="OE" type="integer" max="90" units="deg"/>
         </inkml:traceFormat>
         <inkml:channelProperties>
           <inkml:channelProperty channel="X" name="resolution" value="1000" units="1/cm"/>
           <inkml:channelProperty channel="Y" name="resolution" value="1000" units="1/cm"/>
           <inkml:channelProperty channel="F" name="resolution" value="0" units="1/dev"/>
-          <inkml:channelProperty channel="OA" name="resolution" value="1000" units="1/deg"/>
-          <inkml:channelProperty channel="OE" name="resolution" value="1000" units="1/deg"/>
         </inkml:channelProperties>
       </inkml:inkSource>
-      <inkml:timestamp xml:id="ts0" timeString="2024-01-18T14:19:42.463"/>
+      <inkml:timestamp xml:id="ts0" timeString="2024-02-27T11:14:50.322"/>
     </inkml:context>
     <inkml:brush xml:id="br0">
       <inkml:brushProperty name="width" value="0.05" units="cm"/>
       <inkml:brushProperty name="height" value="0.05" units="cm"/>
+      <inkml:brushProperty name="color" value="#E71224"/>
     </inkml:brush>
   </inkml:definitions>
-  <inkml:trace contextRef="#ctx0" brushRef="#br0">5378 5106 16383 0 0,'-4'0'0'0'0,"-6"0"0"0"0,-4 0 0 0 0,-5 0 0 0 0,-3 0 0 0 0,-2 0 0 0 0,0 0 0 0 0,-2 0 0 0 0,1 0 0 0 0,4 5 0 0 0,2 0 0 0 0,0 0 0 0 0,-1-1 0 0 0,-1-1 0 0 0,-2-1 0 0 0,0-1 0 0 0,0 0 0 0 0,-1-1 0 0 0,0-1 0 0 0,-1 1 0 0 0,1 0 0 0 0,0 0 0 0 0,0 0 0 0 0,0 0 0 0 0,-1-1 0 0 0,1 1 0 0 0,-4 0 0 0 0,-1 0 0 0 0,0 0 0 0 0,0 0 0 0 0,2 1 0 0 0,1 3 0 0 0,5 5 0 0 0,7 6 0 0 0,4 8 0 0 0,5 8 0 0 0,-1 4 0 0 0,1 3 0 0 0,0-1 0 0 0,-2 3 0 0 0,0-3 0 0 0,1 1 0 0 0,1-1 0 0 0,-2 0 0 0 0,0 3 0 0 0,1 6 0 0 0,2 4 0 0 0,1 6 0 0 0,2 13 0 0 0,-4 16 0 0 0,-1 10 0 0 0,1 13 0 0 0,1 8 0 0 0,2 10 0 0 0,0 3 0 0 0,-3-3 0 0 0,0-8 0 0 0,-9-10 0 0 0,-1-13 0 0 0,2-9 0 0 0,3-11 0 0 0,-1-3 0 0 0,2-4 0 0 0,-2 5 0 0 0,1 8 0 0 0,2 6 0 0 0,2 1 0 0 0,3 1 0 0 0,1-2 0 0 0,2-3 0 0 0,0-4 0 0 0,0-4 0 0 0,1-9 0 0 0,-1 3 0 0 0,0-2 0 0 0,1 4 0 0 0,-1 6 0 0 0,0 7 0 0 0,0 0 0 0 0,0-2 0 0 0,0-2 0 0 0,0-7 0 0 0,0-4 0 0 0,0-10 0 0 0,0-10 0 0 0,0-7 0 0 0,0-5 0 0 0,0-2 0 0 0,0-3 0 0 0,0-2 0 0 0,0 1 0 0 0,0-1 0 0 0,0-1 0 0 0,0 2 0 0 0,0 0 0 0 0,0-1 0 0 0,0 2 0 0 0,0-1 0 0 0,0-1 0 0 0,0 2 0 0 0,0-1 0 0 0,0 3 0 0 0,0-1 0 0 0,0 3 0 0 0,0-2 0 0 0,0-2 0 0 0,0-3 0 0 0,0 2 0 0 0,0-1 0 0 0,0-1 0 0 0,0-2 0 0 0,0-1 0 0 0,0-2 0 0 0,0 4 0 0 0,0 0 0 0 0,0 0 0 0 0,0-1 0 0 0,0 3 0 0 0,0 4 0 0 0,0 1 0 0 0,0 1 0 0 0,0 4 0 0 0,0-2 0 0 0,0-3 0 0 0,0-3 0 0 0,0-4 0 0 0,0-3 0 0 0,0-1 0 0 0,0-1 0 0 0,0 0 0 0 0,0-1 0 0 0,0 1 0 0 0,0-1 0 0 0,0 1 0 0 0,0 4 0 0 0,4-3 0 0 0,1-1 0 0 0,1-1 0 0 0,2-4 0 0 0,0-2 0 0 0,-1 1 0 0 0,-2 1 0 0 0,-1 6 0 0 0,-2 3 0 0 0,-1 0 0 0 0,3 0 0 0 0,1-1 0 0 0,0-1 0 0 0,3-1 0 0 0,4-4 0 0 0,4-6 0 0 0,4-6 0 0 0,2-4 0 0 0,2-3 0 0 0,0-2 0 0 0,1-1 0 0 0,0 0 0 0 0,0 0 0 0 0,-1 0 0 0 0,1 1 0 0 0,-1 3 0 0 0,0 7 0 0 0,0 0 0 0 0,0-1 0 0 0,0-1 0 0 0,0-4 0 0 0,0-1 0 0 0,0 3 0 0 0,0 0 0 0 0,0 3 0 0 0,1 0 0 0 0,-1-1 0 0 0,0-3 0 0 0,0-1 0 0 0,0-2 0 0 0,0-1 0 0 0,0-1 0 0 0,0 0 0 0 0,0-1 0 0 0,0 1 0 0 0,4 0 0 0 0,2-1 0 0 0,-1 1 0 0 0,-1 0 0 0 0,-1 0 0 0 0,-1 0 0 0 0,-1 0 0 0 0,0 0 0 0 0,-1 0 0 0 0,-5 4 0 0 0,0 2 0 0 0,-1-1 0 0 0,2-1 0 0 0,1-1 0 0 0,-3-1 0 0 0</inkml:trace>
+  <inkml:trace contextRef="#ctx0" brushRef="#br0">1932 1 24575,'-12'2'0,"-1"0"0,1 1 0,0 0 0,-22 10 0,23-9 0,-82 34 0,-90 49 0,115-48 0,2 3 0,2 2 0,-72 66 0,94-72 0,2 1 0,2 2 0,-59 85 0,27-5 0,-10 11 0,-28 42 0,-15 34 0,72-127 0,-70 153 0,66-85 0,39-100 0,-2-2 0,-25 49 0,18-43 0,3 2 0,1 0 0,-24 115 0,3-11 0,30-111 0,2 1 0,-3 51 0,10-74 0,-43 244 0,34-213 0,2-1 0,3 2 0,1 91 0,5-124 0,-1-1 0,-8 34 0,-3 38 0,1 18 0,6-76 0,-1 49 0,6 1547 0,3-738 0,-1-877 0,1 1 0,8 32 0,2 34 0,1 64 0,1 32 0,-2-18 0,1 1 0,-14-137 0,0 24 0,2 0 0,14 95 0,-7-87 0,-2 1 0,-4-1 0,-5 72 0,1-13 0,2-52 0,15 110 0,2 17 0,-9-67 0,23 104 0,-11-41 0,-14-137 0,0 0 0,22 96 0,3-21 0,10 37 0,24 59 0,8 25 0,21 7 0,-73-198 0,10 35 0,-10 17 0,-16-72 0,2 0 0,16 46 0,15 59 0,-7-20 0,-17-80 0,2 13 0,2-2 0,3 0 0,43 79 0,-47-106 0,1-1 0,1-1 0,1 0 0,1-2 0,2 0 0,0-1 0,47 33 0,-3 3 0,-57-47 0,2 0 0,0-1 0,0 0 0,1 0 0,23 12 0,-17-12 0,-1 1 0,22 17 0,-28-18 0,1-1 0,0 0 0,1-1 0,-1-1 0,21 8 0,-12-7 0,3 1 0,1 0 0,-1-2 0,1 0 0,1-2 0,-1-1 0,52 1 0,-76-5-57,1 0 0,-1-1 1,0 1-1,0 0 0,1-1 0,-1 0 0,0 1 0,0-1 0,0 0 0,0 0 0,0 0 1,0 0-1,0-1 0,0 1 0,0 0 0,-1-1 0,1 1 0,0-1 0,-1 0 1,1 0-1,-1 1 0,0-1 0,2-3 0,3-11-6769</inkml:trace>
+</inkml:ink>
+</file>
+
+<file path=ppt/ink/ink5.xml><?xml version="1.0" encoding="utf-8"?>
+<inkml:ink xmlns:inkml="http://www.w3.org/2003/InkML">
+  <inkml:definitions>
+    <inkml:context xml:id="ctx0">
+      <inkml:inkSource xml:id="inkSrc0">
+        <inkml:traceFormat>
+          <inkml:channel name="X" type="integer" min="-2.14748E9" max="2.14748E9" units="cm"/>
+          <inkml:channel name="Y" type="integer" min="-2.14748E9" max="2.14748E9" units="cm"/>
+          <inkml:channel name="F" type="integer" max="32767" units="dev"/>
+        </inkml:traceFormat>
+        <inkml:channelProperties>
+          <inkml:channelProperty channel="X" name="resolution" value="1000" units="1/cm"/>
+          <inkml:channelProperty channel="Y" name="resolution" value="1000" units="1/cm"/>
+          <inkml:channelProperty channel="F" name="resolution" value="0" units="1/dev"/>
+        </inkml:channelProperties>
+      </inkml:inkSource>
+      <inkml:timestamp xml:id="ts0" timeString="2024-02-27T11:15:00.934"/>
+    </inkml:context>
+    <inkml:brush xml:id="br0">
+      <inkml:brushProperty name="width" value="0.05" units="cm"/>
+      <inkml:brushProperty name="height" value="0.05" units="cm"/>
+      <inkml:brushProperty name="color" value="#004F8B"/>
+    </inkml:brush>
+  </inkml:definitions>
+  <inkml:trace contextRef="#ctx0" brushRef="#br0">235 0 24575,'-1'4'0,"-1"-1"0,1 1 0,-1-1 0,1 0 0,-1 1 0,0-1 0,0 0 0,0 0 0,0 0 0,-5 3 0,-9 15 0,-8 28 0,2 0 0,2 1 0,-24 99 0,35-117 0,2 1 0,2 0 0,1 0 0,0 38 0,2-37 0,-9 60 0,5-60 0,-1 58 0,7-52 0,1 13 0,-2-1 0,-13 84 0,6-74 0,3 0 0,2 1 0,7 62 0,-2-5 0,-3-39 0,3 91 0,10-103 0,-8-50 0,0 0 0,1 27 0,-4-32 0,0 0 0,2 1 0,-1-1 0,2 0 0,0-1 0,1 1 0,0-1 0,1 1 0,0-2 0,9 14 0,9 10 0,58 64 0,-69-85-96,2 3 172,0-1 0,34 28 0,-43-41-191,1 1 0,0-1 0,0 0 0,0-1-1,0 1 1,0-1 0,1-1 0,0 1 0,-1-2-1,1 1 1,0-1 0,9 1 0,4-1-6711</inkml:trace>
 </inkml:ink>
 </file>
 
@@ -2958,7 +2976,7 @@
           <a:p>
             <a:fld id="{846CE7D5-CF57-46EF-B807-FDD0502418D4}" type="datetimeFigureOut">
               <a:rPr lang="en-US" smtClean="0"/>
-              <a:t>2/16/2024</a:t>
+              <a:t>2/27/2024</a:t>
             </a:fld>
             <a:endParaRPr lang="en-US"/>
           </a:p>
@@ -3126,7 +3144,7 @@
           <a:p>
             <a:fld id="{846CE7D5-CF57-46EF-B807-FDD0502418D4}" type="datetimeFigureOut">
               <a:rPr lang="en-US" smtClean="0"/>
-              <a:t>2/16/2024</a:t>
+              <a:t>2/27/2024</a:t>
             </a:fld>
             <a:endParaRPr lang="en-US"/>
           </a:p>
@@ -3304,7 +3322,7 @@
           <a:p>
             <a:fld id="{846CE7D5-CF57-46EF-B807-FDD0502418D4}" type="datetimeFigureOut">
               <a:rPr lang="en-US" smtClean="0"/>
-              <a:t>2/16/2024</a:t>
+              <a:t>2/27/2024</a:t>
             </a:fld>
             <a:endParaRPr lang="en-US"/>
           </a:p>
@@ -3472,7 +3490,7 @@
           <a:p>
             <a:fld id="{846CE7D5-CF57-46EF-B807-FDD0502418D4}" type="datetimeFigureOut">
               <a:rPr lang="en-US" smtClean="0"/>
-              <a:t>2/16/2024</a:t>
+              <a:t>2/27/2024</a:t>
             </a:fld>
             <a:endParaRPr lang="en-US"/>
           </a:p>
@@ -3717,7 +3735,7 @@
           <a:p>
             <a:fld id="{846CE7D5-CF57-46EF-B807-FDD0502418D4}" type="datetimeFigureOut">
               <a:rPr lang="en-US" smtClean="0"/>
-              <a:t>2/16/2024</a:t>
+              <a:t>2/27/2024</a:t>
             </a:fld>
             <a:endParaRPr lang="en-US"/>
           </a:p>
@@ -3946,7 +3964,7 @@
           <a:p>
             <a:fld id="{846CE7D5-CF57-46EF-B807-FDD0502418D4}" type="datetimeFigureOut">
               <a:rPr lang="en-US" smtClean="0"/>
-              <a:t>2/16/2024</a:t>
+              <a:t>2/27/2024</a:t>
             </a:fld>
             <a:endParaRPr lang="en-US"/>
           </a:p>
@@ -4310,7 +4328,7 @@
           <a:p>
             <a:fld id="{846CE7D5-CF57-46EF-B807-FDD0502418D4}" type="datetimeFigureOut">
               <a:rPr lang="en-US" smtClean="0"/>
-              <a:t>2/16/2024</a:t>
+              <a:t>2/27/2024</a:t>
             </a:fld>
             <a:endParaRPr lang="en-US"/>
           </a:p>
@@ -4427,7 +4445,7 @@
           <a:p>
             <a:fld id="{846CE7D5-CF57-46EF-B807-FDD0502418D4}" type="datetimeFigureOut">
               <a:rPr lang="en-US" smtClean="0"/>
-              <a:t>2/16/2024</a:t>
+              <a:t>2/27/2024</a:t>
             </a:fld>
             <a:endParaRPr lang="en-US"/>
           </a:p>
@@ -4522,7 +4540,7 @@
           <a:p>
             <a:fld id="{846CE7D5-CF57-46EF-B807-FDD0502418D4}" type="datetimeFigureOut">
               <a:rPr lang="en-US" smtClean="0"/>
-              <a:t>2/16/2024</a:t>
+              <a:t>2/27/2024</a:t>
             </a:fld>
             <a:endParaRPr lang="en-US"/>
           </a:p>
@@ -4797,7 +4815,7 @@
           <a:p>
             <a:fld id="{846CE7D5-CF57-46EF-B807-FDD0502418D4}" type="datetimeFigureOut">
               <a:rPr lang="en-US" smtClean="0"/>
-              <a:t>2/16/2024</a:t>
+              <a:t>2/27/2024</a:t>
             </a:fld>
             <a:endParaRPr lang="en-US"/>
           </a:p>
@@ -5052,7 +5070,7 @@
           <a:p>
             <a:fld id="{846CE7D5-CF57-46EF-B807-FDD0502418D4}" type="datetimeFigureOut">
               <a:rPr lang="en-US" smtClean="0"/>
-              <a:t>2/16/2024</a:t>
+              <a:t>2/27/2024</a:t>
             </a:fld>
             <a:endParaRPr lang="en-US"/>
           </a:p>
@@ -5263,7 +5281,7 @@
           <a:p>
             <a:fld id="{846CE7D5-CF57-46EF-B807-FDD0502418D4}" type="datetimeFigureOut">
               <a:rPr lang="en-US" smtClean="0"/>
-              <a:t>2/16/2024</a:t>
+              <a:t>2/27/2024</a:t>
             </a:fld>
             <a:endParaRPr lang="en-US"/>
           </a:p>
@@ -5945,7 +5963,7 @@
             <a:pPr marL="0" indent="0">
               <a:buNone/>
             </a:pPr>
-            <a:endParaRPr lang="is-IS">
+            <a:endParaRPr lang="is-IS" dirty="0">
               <a:cs typeface="Calibri" panose="020F0502020204030204"/>
             </a:endParaRPr>
           </a:p>
@@ -5954,13 +5972,13 @@
               <a:buNone/>
             </a:pPr>
             <a:r>
-              <a:rPr lang="is-IS" err="1">
+              <a:rPr lang="is-IS" dirty="0" err="1">
                 <a:cs typeface="Calibri" panose="020F0502020204030204"/>
               </a:rPr>
               <a:t>Identifier+flag</a:t>
             </a:r>
             <a:r>
-              <a:rPr lang="is-IS">
+              <a:rPr lang="is-IS" dirty="0">
                 <a:cs typeface="Calibri" panose="020F0502020204030204"/>
               </a:rPr>
               <a:t>:</a:t>
@@ -5971,58 +5989,58 @@
               <a:buNone/>
             </a:pPr>
             <a:br>
-              <a:rPr lang="is-IS">
+              <a:rPr lang="is-IS" dirty="0">
                 <a:cs typeface="Calibri" panose="020F0502020204030204"/>
               </a:rPr>
             </a:br>
             <a:r>
-              <a:rPr lang="is-IS" err="1">
+              <a:rPr lang="is-IS" dirty="0" err="1">
                 <a:cs typeface="Calibri" panose="020F0502020204030204"/>
               </a:rPr>
               <a:t>Header</a:t>
             </a:r>
             <a:r>
-              <a:rPr lang="is-IS">
+              <a:rPr lang="is-IS" dirty="0">
                 <a:cs typeface="Calibri" panose="020F0502020204030204"/>
               </a:rPr>
               <a:t>:</a:t>
             </a:r>
-            <a:endParaRPr lang="is-IS"/>
+            <a:endParaRPr lang="is-IS" dirty="0"/>
           </a:p>
           <a:p>
             <a:pPr marL="0" indent="0">
               <a:buNone/>
             </a:pPr>
             <a:br>
-              <a:rPr lang="is-IS">
+              <a:rPr lang="is-IS" dirty="0">
                 <a:cs typeface="Calibri" panose="020F0502020204030204"/>
               </a:rPr>
             </a:br>
             <a:br>
-              <a:rPr lang="is-IS">
+              <a:rPr lang="is-IS" dirty="0">
                 <a:cs typeface="Calibri" panose="020F0502020204030204"/>
               </a:rPr>
             </a:br>
             <a:r>
-              <a:rPr lang="is-IS" err="1">
+              <a:rPr lang="is-IS" dirty="0" err="1">
                 <a:cs typeface="Calibri" panose="020F0502020204030204"/>
               </a:rPr>
               <a:t>Message</a:t>
             </a:r>
             <a:r>
-              <a:rPr lang="is-IS">
+              <a:rPr lang="is-IS" dirty="0">
                 <a:cs typeface="Calibri" panose="020F0502020204030204"/>
               </a:rPr>
               <a:t> </a:t>
             </a:r>
             <a:r>
-              <a:rPr lang="is-IS" err="1">
+              <a:rPr lang="is-IS" dirty="0" err="1">
                 <a:cs typeface="Calibri" panose="020F0502020204030204"/>
               </a:rPr>
               <a:t>Zone</a:t>
             </a:r>
             <a:r>
-              <a:rPr lang="is-IS">
+              <a:rPr lang="is-IS" dirty="0">
                 <a:cs typeface="Calibri" panose="020F0502020204030204"/>
               </a:rPr>
               <a:t>:</a:t>
@@ -6032,7 +6050,7 @@
             <a:pPr marL="0" indent="0">
               <a:buNone/>
             </a:pPr>
-            <a:endParaRPr lang="is-IS">
+            <a:endParaRPr lang="is-IS" dirty="0">
               <a:cs typeface="Calibri" panose="020F0502020204030204"/>
             </a:endParaRPr>
           </a:p>
@@ -6041,64 +6059,64 @@
               <a:buNone/>
             </a:pPr>
             <a:r>
-              <a:rPr lang="is-IS" err="1">
+              <a:rPr lang="is-IS" dirty="0" err="1">
                 <a:cs typeface="Calibri" panose="020F0502020204030204"/>
               </a:rPr>
               <a:t>Payload</a:t>
             </a:r>
             <a:r>
-              <a:rPr lang="is-IS">
+              <a:rPr lang="is-IS" dirty="0">
                 <a:cs typeface="Calibri" panose="020F0502020204030204"/>
               </a:rPr>
               <a:t> </a:t>
             </a:r>
             <a:r>
-              <a:rPr lang="is-IS" err="1">
+              <a:rPr lang="is-IS" dirty="0" err="1">
                 <a:cs typeface="Calibri" panose="020F0502020204030204"/>
               </a:rPr>
               <a:t>structure</a:t>
             </a:r>
             <a:br>
-              <a:rPr lang="is-IS">
+              <a:rPr lang="is-IS" dirty="0">
                 <a:cs typeface="Calibri" panose="020F0502020204030204"/>
               </a:rPr>
             </a:br>
             <a:r>
-              <a:rPr lang="is-IS" err="1">
+              <a:rPr lang="is-IS" dirty="0" err="1">
                 <a:cs typeface="Calibri" panose="020F0502020204030204"/>
               </a:rPr>
               <a:t>to</a:t>
             </a:r>
             <a:r>
-              <a:rPr lang="is-IS">
+              <a:rPr lang="is-IS" dirty="0">
                 <a:cs typeface="Calibri" panose="020F0502020204030204"/>
               </a:rPr>
               <a:t> </a:t>
             </a:r>
             <a:r>
-              <a:rPr lang="is-IS" err="1">
+              <a:rPr lang="is-IS" dirty="0" err="1">
                 <a:cs typeface="Calibri" panose="020F0502020204030204"/>
               </a:rPr>
               <a:t>be</a:t>
             </a:r>
             <a:r>
-              <a:rPr lang="is-IS">
+              <a:rPr lang="is-IS" dirty="0">
                 <a:cs typeface="Calibri" panose="020F0502020204030204"/>
               </a:rPr>
               <a:t> </a:t>
             </a:r>
             <a:r>
-              <a:rPr lang="is-IS" err="1">
+              <a:rPr lang="is-IS" dirty="0" err="1">
                 <a:cs typeface="Calibri" panose="020F0502020204030204"/>
               </a:rPr>
               <a:t>encoded</a:t>
             </a:r>
             <a:br>
-              <a:rPr lang="is-IS">
+              <a:rPr lang="is-IS" dirty="0">
                 <a:cs typeface="Calibri" panose="020F0502020204030204"/>
               </a:rPr>
             </a:br>
-            <a:endParaRPr lang="is-IS">
+            <a:endParaRPr lang="is-IS" dirty="0">
               <a:cs typeface="Calibri" panose="020F0502020204030204"/>
             </a:endParaRPr>
           </a:p>
@@ -6107,46 +6125,46 @@
               <a:buNone/>
             </a:pPr>
             <a:r>
-              <a:rPr lang="is-IS" err="1">
+              <a:rPr lang="is-IS" dirty="0" err="1">
                 <a:cs typeface="Calibri" panose="020F0502020204030204"/>
               </a:rPr>
               <a:t>Zlib</a:t>
             </a:r>
             <a:r>
-              <a:rPr lang="is-IS">
+              <a:rPr lang="is-IS" dirty="0">
                 <a:cs typeface="Calibri" panose="020F0502020204030204"/>
               </a:rPr>
               <a:t> + Base32</a:t>
             </a:r>
             <a:br>
-              <a:rPr lang="is-IS">
+              <a:rPr lang="is-IS" dirty="0">
                 <a:cs typeface="Calibri" panose="020F0502020204030204"/>
               </a:rPr>
             </a:br>
             <a:r>
-              <a:rPr lang="is-IS">
+              <a:rPr lang="is-IS" dirty="0">
                 <a:cs typeface="Calibri" panose="020F0502020204030204"/>
               </a:rPr>
               <a:t>+ de-</a:t>
             </a:r>
             <a:r>
-              <a:rPr lang="is-IS" err="1">
+              <a:rPr lang="is-IS" dirty="0" err="1">
                 <a:cs typeface="Calibri" panose="020F0502020204030204"/>
               </a:rPr>
               <a:t>padding</a:t>
             </a:r>
             <a:r>
-              <a:rPr lang="is-IS">
+              <a:rPr lang="is-IS" dirty="0">
                 <a:cs typeface="Calibri" panose="020F0502020204030204"/>
               </a:rPr>
               <a:t>:</a:t>
             </a:r>
             <a:br>
-              <a:rPr lang="is-IS">
+              <a:rPr lang="is-IS" dirty="0">
                 <a:cs typeface="Calibri" panose="020F0502020204030204"/>
               </a:rPr>
             </a:br>
-            <a:endParaRPr lang="is-IS">
+            <a:endParaRPr lang="is-IS" dirty="0">
               <a:cs typeface="Calibri" panose="020F0502020204030204"/>
             </a:endParaRPr>
           </a:p>
@@ -6155,30 +6173,30 @@
               <a:buNone/>
             </a:pPr>
             <a:r>
-              <a:rPr lang="is-IS" err="1">
+              <a:rPr lang="is-IS" dirty="0" err="1">
                 <a:cs typeface="Calibri" panose="020F0502020204030204"/>
               </a:rPr>
               <a:t>Barcode</a:t>
             </a:r>
             <a:r>
-              <a:rPr lang="is-IS">
+              <a:rPr lang="is-IS" dirty="0">
                 <a:cs typeface="Calibri" panose="020F0502020204030204"/>
               </a:rPr>
               <a:t> from Base32</a:t>
             </a:r>
             <a:br>
-              <a:rPr lang="is-IS">
+              <a:rPr lang="is-IS" dirty="0">
                 <a:cs typeface="Calibri" panose="020F0502020204030204"/>
               </a:rPr>
             </a:br>
             <a:r>
-              <a:rPr lang="is-IS">
+              <a:rPr lang="is-IS" dirty="0">
                 <a:cs typeface="Calibri" panose="020F0502020204030204"/>
               </a:rPr>
               <a:t>(6x6mm 600dpi):             </a:t>
             </a:r>
             <a:r>
-              <a:rPr lang="is-IS">
+              <a:rPr lang="is-IS" dirty="0">
                 <a:solidFill>
                   <a:srgbClr val="FF0000"/>
                 </a:solidFill>
@@ -6308,25 +6326,25 @@
           <a:p>
             <a:pPr algn="ctr"/>
             <a:r>
-              <a:rPr lang="is-IS" sz="1400" err="1">
+              <a:rPr lang="is-IS" sz="1400" dirty="0" err="1">
                 <a:cs typeface="Calibri"/>
               </a:rPr>
               <a:t>Barcode</a:t>
             </a:r>
             <a:r>
-              <a:rPr lang="is-IS" sz="1400">
+              <a:rPr lang="is-IS" sz="1400" dirty="0">
                 <a:cs typeface="Calibri"/>
               </a:rPr>
               <a:t> </a:t>
             </a:r>
             <a:r>
-              <a:rPr lang="is-IS" sz="1400" err="1">
+              <a:rPr lang="is-IS" sz="1400" dirty="0" err="1">
                 <a:cs typeface="Calibri"/>
               </a:rPr>
               <a:t>flag</a:t>
             </a:r>
             <a:r>
-              <a:rPr lang="is-IS" sz="1400">
+              <a:rPr lang="is-IS" sz="1400" dirty="0">
                 <a:cs typeface="Calibri"/>
               </a:rPr>
               <a:t> (1)</a:t>
@@ -6335,10 +6353,10 @@
           <a:p>
             <a:pPr algn="ctr"/>
             <a:r>
-              <a:rPr lang="is-IS">
-                <a:cs typeface="Calibri" panose="020F0502020204030204"/>
-              </a:rPr>
-              <a:t>"A"</a:t>
+              <a:rPr lang="is-IS" dirty="0">
+                <a:cs typeface="Calibri" panose="020F0502020204030204"/>
+              </a:rPr>
+              <a:t>“C“</a:t>
             </a:r>
           </a:p>
         </p:txBody>
@@ -6389,7 +6407,7 @@
           <a:p>
             <a:pPr algn="ctr"/>
             <a:r>
-              <a:rPr lang="is-IS" sz="1400">
+              <a:rPr lang="is-IS" sz="1400" dirty="0">
                 <a:cs typeface="Calibri"/>
               </a:rPr>
               <a:t>Country (2)</a:t>
@@ -6398,7 +6416,7 @@
           <a:p>
             <a:pPr algn="ctr"/>
             <a:r>
-              <a:rPr lang="is-IS">
+              <a:rPr lang="is-IS" dirty="0">
                 <a:cs typeface="Calibri" panose="020F0502020204030204"/>
               </a:rPr>
               <a:t>C40 ("ISL")</a:t>
@@ -6523,7 +6541,7 @@
           <a:p>
             <a:pPr algn="ctr"/>
             <a:r>
-              <a:rPr lang="is-IS" sz="1400">
+              <a:rPr lang="is-IS" sz="1400" dirty="0">
                 <a:cs typeface="Calibri"/>
               </a:rPr>
               <a:t>CAN value (4)</a:t>
@@ -6532,31 +6550,31 @@
           <a:p>
             <a:pPr algn="ctr"/>
             <a:r>
-              <a:rPr lang="is-IS">
+              <a:rPr lang="is-IS" dirty="0">
                 <a:cs typeface="Calibri" panose="020F0502020204030204"/>
               </a:rPr>
               <a:t>C40 (</a:t>
             </a:r>
             <a:r>
-              <a:rPr lang="is-IS" err="1">
+              <a:rPr lang="is-IS" dirty="0" err="1">
                 <a:cs typeface="Calibri" panose="020F0502020204030204"/>
               </a:rPr>
               <a:t>Card</a:t>
             </a:r>
             <a:r>
-              <a:rPr lang="is-IS">
+              <a:rPr lang="is-IS" dirty="0">
                 <a:cs typeface="Calibri" panose="020F0502020204030204"/>
               </a:rPr>
               <a:t> Access </a:t>
             </a:r>
             <a:r>
-              <a:rPr lang="is-IS" err="1">
+              <a:rPr lang="is-IS" dirty="0" err="1">
                 <a:cs typeface="Calibri" panose="020F0502020204030204"/>
               </a:rPr>
               <a:t>Number</a:t>
             </a:r>
             <a:r>
-              <a:rPr lang="is-IS">
+              <a:rPr lang="is-IS" dirty="0">
                 <a:cs typeface="Calibri" panose="020F0502020204030204"/>
               </a:rPr>
               <a:t>)</a:t>
@@ -7690,42 +7708,42 @@
           <a:p>
             <a:pPr algn="ctr"/>
             <a:r>
-              <a:rPr lang="is-IS" sz="1400" err="1">
+              <a:rPr lang="is-IS" sz="1400" dirty="0" err="1">
                 <a:cs typeface="Calibri"/>
               </a:rPr>
               <a:t>Msg</a:t>
             </a:r>
             <a:r>
-              <a:rPr lang="is-IS" sz="1400">
+              <a:rPr lang="is-IS" sz="1400" dirty="0">
                 <a:cs typeface="Calibri"/>
               </a:rPr>
               <a:t> </a:t>
             </a:r>
             <a:r>
-              <a:rPr lang="is-IS" sz="1400" err="1">
+              <a:rPr lang="is-IS" sz="1400" dirty="0" err="1">
                 <a:cs typeface="Calibri"/>
               </a:rPr>
               <a:t>zone</a:t>
             </a:r>
             <a:r>
-              <a:rPr lang="is-IS" sz="1400">
+              <a:rPr lang="is-IS" sz="1400" dirty="0">
                 <a:cs typeface="Calibri"/>
               </a:rPr>
               <a:t> tag(1)</a:t>
             </a:r>
-            <a:endParaRPr lang="en-US" sz="1400">
+            <a:endParaRPr lang="en-US" sz="1400" dirty="0">
               <a:cs typeface="Calibri"/>
             </a:endParaRPr>
           </a:p>
           <a:p>
             <a:pPr algn="ctr"/>
             <a:r>
-              <a:rPr lang="is-IS">
+              <a:rPr lang="is-IS" dirty="0">
                 <a:cs typeface="Calibri"/>
               </a:rPr>
               <a:t>0x61</a:t>
             </a:r>
-            <a:endParaRPr lang="is-IS"/>
+            <a:endParaRPr lang="is-IS" dirty="0"/>
           </a:p>
         </p:txBody>
       </p:sp>
@@ -8470,108 +8488,6 @@
         <mc:Choice Requires="p14">
           <p:contentPart p14:bwMode="auto" r:id="rId3">
             <p14:nvContentPartPr>
-              <p14:cNvPr id="26" name="Ink 25">
-                <a:extLst>
-                  <a:ext uri="{FF2B5EF4-FFF2-40B4-BE49-F238E27FC236}">
-                    <a16:creationId xmlns:a16="http://schemas.microsoft.com/office/drawing/2014/main" id="{66BCF9BC-8B85-141A-0EA5-E172B4E90C2A}"/>
-                  </a:ext>
-                </a:extLst>
-              </p14:cNvPr>
-              <p14:cNvContentPartPr/>
-              <p14:nvPr/>
-            </p14:nvContentPartPr>
-            <p14:xfrm>
-              <a:off x="631364" y="1489363"/>
-              <a:ext cx="267950" cy="1992214"/>
-            </p14:xfrm>
-          </p:contentPart>
-        </mc:Choice>
-        <mc:Fallback xmlns="">
-          <p:pic>
-            <p:nvPicPr>
-              <p:cNvPr id="26" name="Ink 25">
-                <a:extLst>
-                  <a:ext uri="{FF2B5EF4-FFF2-40B4-BE49-F238E27FC236}">
-                    <a16:creationId xmlns:a16="http://schemas.microsoft.com/office/drawing/2014/main" id="{66BCF9BC-8B85-141A-0EA5-E172B4E90C2A}"/>
-                  </a:ext>
-                </a:extLst>
-              </p:cNvPr>
-              <p:cNvPicPr/>
-              <p:nvPr/>
-            </p:nvPicPr>
-            <p:blipFill>
-              <a:blip r:embed="rId4"/>
-              <a:stretch>
-                <a:fillRect/>
-              </a:stretch>
-            </p:blipFill>
-            <p:spPr>
-              <a:xfrm>
-                <a:off x="613405" y="1471366"/>
-                <a:ext cx="303509" cy="2027847"/>
-              </a:xfrm>
-              <a:prstGeom prst="rect">
-                <a:avLst/>
-              </a:prstGeom>
-            </p:spPr>
-          </p:pic>
-        </mc:Fallback>
-      </mc:AlternateContent>
-      <mc:AlternateContent xmlns:mc="http://schemas.openxmlformats.org/markup-compatibility/2006" xmlns:p14="http://schemas.microsoft.com/office/powerpoint/2010/main">
-        <mc:Choice Requires="p14">
-          <p:contentPart p14:bwMode="auto" r:id="rId5">
-            <p14:nvContentPartPr>
-              <p14:cNvPr id="32" name="Ink 31">
-                <a:extLst>
-                  <a:ext uri="{FF2B5EF4-FFF2-40B4-BE49-F238E27FC236}">
-                    <a16:creationId xmlns:a16="http://schemas.microsoft.com/office/drawing/2014/main" id="{DBE81427-AE4E-4934-824F-F7855C27005C}"/>
-                  </a:ext>
-                </a:extLst>
-              </p14:cNvPr>
-              <p14:cNvContentPartPr/>
-              <p14:nvPr/>
-            </p14:nvContentPartPr>
-            <p14:xfrm>
-              <a:off x="548748" y="1411309"/>
-              <a:ext cx="353846" cy="1289221"/>
-            </p14:xfrm>
-          </p:contentPart>
-        </mc:Choice>
-        <mc:Fallback xmlns="">
-          <p:pic>
-            <p:nvPicPr>
-              <p:cNvPr id="32" name="Ink 31">
-                <a:extLst>
-                  <a:ext uri="{FF2B5EF4-FFF2-40B4-BE49-F238E27FC236}">
-                    <a16:creationId xmlns:a16="http://schemas.microsoft.com/office/drawing/2014/main" id="{DBE81427-AE4E-4934-824F-F7855C27005C}"/>
-                  </a:ext>
-                </a:extLst>
-              </p:cNvPr>
-              <p:cNvPicPr/>
-              <p:nvPr/>
-            </p:nvPicPr>
-            <p:blipFill>
-              <a:blip r:embed="rId6"/>
-              <a:stretch>
-                <a:fillRect/>
-              </a:stretch>
-            </p:blipFill>
-            <p:spPr>
-              <a:xfrm>
-                <a:off x="530768" y="1393313"/>
-                <a:ext cx="389446" cy="1324853"/>
-              </a:xfrm>
-              <a:prstGeom prst="rect">
-                <a:avLst/>
-              </a:prstGeom>
-            </p:spPr>
-          </p:pic>
-        </mc:Fallback>
-      </mc:AlternateContent>
-      <mc:AlternateContent xmlns:mc="http://schemas.openxmlformats.org/markup-compatibility/2006" xmlns:p14="http://schemas.microsoft.com/office/powerpoint/2010/main">
-        <mc:Choice Requires="p14">
-          <p:contentPart p14:bwMode="auto" r:id="rId7">
-            <p14:nvContentPartPr>
               <p14:cNvPr id="33" name="Ink 32">
                 <a:extLst>
                   <a:ext uri="{FF2B5EF4-FFF2-40B4-BE49-F238E27FC236}">
@@ -8619,14 +8535,14 @@
           </p:pic>
         </mc:Fallback>
       </mc:AlternateContent>
-      <mc:AlternateContent xmlns:mc="http://schemas.openxmlformats.org/markup-compatibility/2006" xmlns:p14="http://schemas.microsoft.com/office/powerpoint/2010/main">
-        <mc:Choice Requires="p14">
+      <mc:AlternateContent xmlns:mc="http://schemas.openxmlformats.org/markup-compatibility/2006">
+        <mc:Choice xmlns:p14="http://schemas.microsoft.com/office/powerpoint/2010/main" Requires="p14">
           <p:contentPart p14:bwMode="auto" r:id="rId9">
             <p14:nvContentPartPr>
-              <p14:cNvPr id="36" name="Ink 35">
+              <p14:cNvPr id="38" name="Ink 37">
                 <a:extLst>
                   <a:ext uri="{FF2B5EF4-FFF2-40B4-BE49-F238E27FC236}">
-                    <a16:creationId xmlns:a16="http://schemas.microsoft.com/office/drawing/2014/main" id="{ECA33022-85EC-F1C0-FD08-5E8D60E0F728}"/>
+                    <a16:creationId xmlns:a16="http://schemas.microsoft.com/office/drawing/2014/main" id="{751CDD1C-2C72-32F4-59EF-BF6A01F84283}"/>
                   </a:ext>
                 </a:extLst>
               </p14:cNvPr>
@@ -8634,18 +8550,18 @@
               <p14:nvPr/>
             </p14:nvContentPartPr>
             <p14:xfrm>
-              <a:off x="544742" y="1428749"/>
-              <a:ext cx="415579" cy="2095381"/>
+              <a:off x="538848" y="2285856"/>
+              <a:ext cx="264960" cy="906840"/>
             </p14:xfrm>
           </p:contentPart>
         </mc:Choice>
-        <mc:Fallback xmlns="">
+        <mc:Fallback>
           <p:pic>
             <p:nvPicPr>
-              <p:cNvPr id="36" name="Ink 35">
+              <p:cNvPr id="38" name="Ink 37">
                 <a:extLst>
                   <a:ext uri="{FF2B5EF4-FFF2-40B4-BE49-F238E27FC236}">
-                    <a16:creationId xmlns:a16="http://schemas.microsoft.com/office/drawing/2014/main" id="{ECA33022-85EC-F1C0-FD08-5E8D60E0F728}"/>
+                    <a16:creationId xmlns:a16="http://schemas.microsoft.com/office/drawing/2014/main" id="{751CDD1C-2C72-32F4-59EF-BF6A01F84283}"/>
                   </a:ext>
                 </a:extLst>
               </p:cNvPr>
@@ -8660,8 +8576,161 @@
             </p:blipFill>
             <p:spPr>
               <a:xfrm>
-                <a:off x="535747" y="1419751"/>
-                <a:ext cx="433210" cy="2113016"/>
+                <a:off x="529848" y="2277216"/>
+                <a:ext cx="282600" cy="924480"/>
+              </a:xfrm>
+              <a:prstGeom prst="rect">
+                <a:avLst/>
+              </a:prstGeom>
+            </p:spPr>
+          </p:pic>
+        </mc:Fallback>
+      </mc:AlternateContent>
+      <mc:AlternateContent xmlns:mc="http://schemas.openxmlformats.org/markup-compatibility/2006">
+        <mc:Choice xmlns:p14="http://schemas.microsoft.com/office/powerpoint/2010/main" Requires="p14">
+          <p:contentPart p14:bwMode="auto" r:id="rId11">
+            <p14:nvContentPartPr>
+              <p14:cNvPr id="39" name="Ink 38">
+                <a:extLst>
+                  <a:ext uri="{FF2B5EF4-FFF2-40B4-BE49-F238E27FC236}">
+                    <a16:creationId xmlns:a16="http://schemas.microsoft.com/office/drawing/2014/main" id="{D5BEC2FA-3646-7EF5-F4CC-09C8CCD44638}"/>
+                  </a:ext>
+                </a:extLst>
+              </p14:cNvPr>
+              <p14:cNvContentPartPr/>
+              <p14:nvPr/>
+            </p14:nvContentPartPr>
+            <p14:xfrm>
+              <a:off x="373248" y="2725056"/>
+              <a:ext cx="429480" cy="2138400"/>
+            </p14:xfrm>
+          </p:contentPart>
+        </mc:Choice>
+        <mc:Fallback>
+          <p:pic>
+            <p:nvPicPr>
+              <p:cNvPr id="39" name="Ink 38">
+                <a:extLst>
+                  <a:ext uri="{FF2B5EF4-FFF2-40B4-BE49-F238E27FC236}">
+                    <a16:creationId xmlns:a16="http://schemas.microsoft.com/office/drawing/2014/main" id="{D5BEC2FA-3646-7EF5-F4CC-09C8CCD44638}"/>
+                  </a:ext>
+                </a:extLst>
+              </p:cNvPr>
+              <p:cNvPicPr/>
+              <p:nvPr/>
+            </p:nvPicPr>
+            <p:blipFill>
+              <a:blip r:embed="rId12"/>
+              <a:stretch>
+                <a:fillRect/>
+              </a:stretch>
+            </p:blipFill>
+            <p:spPr>
+              <a:xfrm>
+                <a:off x="364608" y="2716056"/>
+                <a:ext cx="447120" cy="2156040"/>
+              </a:xfrm>
+              <a:prstGeom prst="rect">
+                <a:avLst/>
+              </a:prstGeom>
+            </p:spPr>
+          </p:pic>
+        </mc:Fallback>
+      </mc:AlternateContent>
+      <mc:AlternateContent xmlns:mc="http://schemas.openxmlformats.org/markup-compatibility/2006">
+        <mc:Choice xmlns:p14="http://schemas.microsoft.com/office/powerpoint/2010/main" Requires="p14">
+          <p:contentPart p14:bwMode="auto" r:id="rId13">
+            <p14:nvContentPartPr>
+              <p14:cNvPr id="40" name="Ink 39">
+                <a:extLst>
+                  <a:ext uri="{FF2B5EF4-FFF2-40B4-BE49-F238E27FC236}">
+                    <a16:creationId xmlns:a16="http://schemas.microsoft.com/office/drawing/2014/main" id="{5A990FEB-52D7-68B0-41ED-C5D8D46A8840}"/>
+                  </a:ext>
+                </a:extLst>
+              </p14:cNvPr>
+              <p14:cNvContentPartPr/>
+              <p14:nvPr/>
+            </p14:nvContentPartPr>
+            <p14:xfrm>
+              <a:off x="100008" y="1654776"/>
+              <a:ext cx="695880" cy="4160880"/>
+            </p14:xfrm>
+          </p:contentPart>
+        </mc:Choice>
+        <mc:Fallback>
+          <p:pic>
+            <p:nvPicPr>
+              <p:cNvPr id="40" name="Ink 39">
+                <a:extLst>
+                  <a:ext uri="{FF2B5EF4-FFF2-40B4-BE49-F238E27FC236}">
+                    <a16:creationId xmlns:a16="http://schemas.microsoft.com/office/drawing/2014/main" id="{5A990FEB-52D7-68B0-41ED-C5D8D46A8840}"/>
+                  </a:ext>
+                </a:extLst>
+              </p:cNvPr>
+              <p:cNvPicPr/>
+              <p:nvPr/>
+            </p:nvPicPr>
+            <p:blipFill>
+              <a:blip r:embed="rId14"/>
+              <a:stretch>
+                <a:fillRect/>
+              </a:stretch>
+            </p:blipFill>
+            <p:spPr>
+              <a:xfrm>
+                <a:off x="91008" y="1646136"/>
+                <a:ext cx="713520" cy="4178520"/>
+              </a:xfrm>
+              <a:prstGeom prst="rect">
+                <a:avLst/>
+              </a:prstGeom>
+            </p:spPr>
+          </p:pic>
+        </mc:Fallback>
+      </mc:AlternateContent>
+      <mc:AlternateContent xmlns:mc="http://schemas.openxmlformats.org/markup-compatibility/2006">
+        <mc:Choice xmlns:p14="http://schemas.microsoft.com/office/powerpoint/2010/main" Requires="p14">
+          <p:contentPart p14:bwMode="auto" r:id="rId15">
+            <p14:nvContentPartPr>
+              <p14:cNvPr id="41" name="Ink 40">
+                <a:extLst>
+                  <a:ext uri="{FF2B5EF4-FFF2-40B4-BE49-F238E27FC236}">
+                    <a16:creationId xmlns:a16="http://schemas.microsoft.com/office/drawing/2014/main" id="{73C35CC1-6183-E4FF-9533-5708C3FE74E0}"/>
+                  </a:ext>
+                </a:extLst>
+              </p14:cNvPr>
+              <p14:cNvContentPartPr/>
+              <p14:nvPr/>
+            </p14:nvContentPartPr>
+            <p14:xfrm>
+              <a:off x="674568" y="4864536"/>
+              <a:ext cx="146880" cy="851400"/>
+            </p14:xfrm>
+          </p:contentPart>
+        </mc:Choice>
+        <mc:Fallback>
+          <p:pic>
+            <p:nvPicPr>
+              <p:cNvPr id="41" name="Ink 40">
+                <a:extLst>
+                  <a:ext uri="{FF2B5EF4-FFF2-40B4-BE49-F238E27FC236}">
+                    <a16:creationId xmlns:a16="http://schemas.microsoft.com/office/drawing/2014/main" id="{73C35CC1-6183-E4FF-9533-5708C3FE74E0}"/>
+                  </a:ext>
+                </a:extLst>
+              </p:cNvPr>
+              <p:cNvPicPr/>
+              <p:nvPr/>
+            </p:nvPicPr>
+            <p:blipFill>
+              <a:blip r:embed="rId16"/>
+              <a:stretch>
+                <a:fillRect/>
+              </a:stretch>
+            </p:blipFill>
+            <p:spPr>
+              <a:xfrm>
+                <a:off x="665568" y="4855536"/>
+                <a:ext cx="164520" cy="869040"/>
               </a:xfrm>
               <a:prstGeom prst="rect">
                 <a:avLst/>
@@ -9177,7 +9246,7 @@
           <a:p>
             <a:pPr algn="ctr"/>
             <a:r>
-              <a:rPr lang="is-IS" sz="1400">
+              <a:rPr lang="is-IS" sz="1400" dirty="0">
                 <a:cs typeface="Calibri"/>
               </a:rPr>
               <a:t>Country (2)</a:t>
@@ -9186,7 +9255,7 @@
           <a:p>
             <a:pPr algn="ctr"/>
             <a:r>
-              <a:rPr lang="is-IS">
+              <a:rPr lang="is-IS" dirty="0">
                 <a:cs typeface="Calibri" panose="020F0502020204030204"/>
               </a:rPr>
               <a:t> ("ISL")(c40)</a:t>
@@ -9501,38 +9570,38 @@
           <a:p>
             <a:pPr algn="ctr"/>
             <a:r>
-              <a:rPr lang="is-IS" sz="1400">
+              <a:rPr lang="is-IS" sz="1400" dirty="0">
                 <a:cs typeface="Calibri"/>
               </a:rPr>
-              <a:t>MRZ (60)</a:t>
+              <a:t>MRZ (90)</a:t>
             </a:r>
           </a:p>
           <a:p>
             <a:pPr algn="ctr"/>
             <a:r>
-              <a:rPr lang="is-IS">
+              <a:rPr lang="is-IS" dirty="0">
                 <a:cs typeface="Calibri" panose="020F0502020204030204"/>
               </a:rPr>
               <a:t>C40 ("IDISLIS1234567X121212 1239    </a:t>
             </a:r>
             <a:br>
-              <a:rPr lang="is-IS">
+              <a:rPr lang="is-IS" dirty="0">
                 <a:cs typeface="Calibri" panose="020F0502020204030204"/>
               </a:rPr>
             </a:br>
             <a:r>
-              <a:rPr lang="is-IS">
+              <a:rPr lang="is-IS" dirty="0">
                 <a:cs typeface="Calibri" panose="020F0502020204030204"/>
               </a:rPr>
               <a:t>121212XF291011XISL           3</a:t>
             </a:r>
             <a:br>
-              <a:rPr lang="is-IS">
+              <a:rPr lang="is-IS" dirty="0">
                 <a:cs typeface="Calibri" panose="020F0502020204030204"/>
               </a:rPr>
             </a:br>
             <a:r>
-              <a:rPr lang="is-IS">
+              <a:rPr lang="is-IS" dirty="0">
                 <a:cs typeface="Calibri" panose="020F0502020204030204"/>
               </a:rPr>
               <a:t>AEVARSDOTTIR  THURIDUR OESP    ")</a:t>
@@ -9586,28 +9655,28 @@
           <a:p>
             <a:pPr algn="ctr"/>
             <a:r>
-              <a:rPr lang="is-IS" sz="1400">
+              <a:rPr lang="is-IS" sz="1400" dirty="0">
                 <a:cs typeface="Calibri"/>
               </a:rPr>
               <a:t>Full </a:t>
             </a:r>
             <a:r>
-              <a:rPr lang="is-IS" sz="1400" err="1">
+              <a:rPr lang="is-IS" sz="1400" dirty="0" err="1">
                 <a:cs typeface="Calibri"/>
               </a:rPr>
               <a:t>name</a:t>
             </a:r>
             <a:r>
-              <a:rPr lang="is-IS" sz="1400">
+              <a:rPr lang="is-IS" sz="1400" dirty="0">
                 <a:cs typeface="Calibri"/>
               </a:rPr>
-              <a:t> (44)</a:t>
+              <a:t> (1-44)</a:t>
             </a:r>
           </a:p>
           <a:p>
             <a:pPr algn="ctr"/>
             <a:r>
-              <a:rPr lang="is-IS">
+              <a:rPr lang="is-IS" dirty="0">
                 <a:cs typeface="Calibri" panose="020F0502020204030204"/>
               </a:rPr>
               <a:t>"Þuríður Ösp Ævarsdóttir"</a:t>
@@ -9661,54 +9730,54 @@
           <a:p>
             <a:pPr algn="ctr"/>
             <a:r>
-              <a:rPr lang="is-IS" sz="1400" err="1">
+              <a:rPr lang="is-IS" sz="1400" dirty="0" err="1">
                 <a:cs typeface="Calibri"/>
               </a:rPr>
               <a:t>Tiny</a:t>
             </a:r>
             <a:r>
-              <a:rPr lang="is-IS" sz="1400">
+              <a:rPr lang="is-IS" sz="1400" dirty="0">
                 <a:cs typeface="Calibri"/>
               </a:rPr>
               <a:t> </a:t>
             </a:r>
             <a:r>
-              <a:rPr lang="is-IS" sz="1400" err="1">
+              <a:rPr lang="is-IS" sz="1400" dirty="0" err="1">
                 <a:cs typeface="Calibri"/>
               </a:rPr>
               <a:t>Facial</a:t>
             </a:r>
             <a:r>
-              <a:rPr lang="is-IS" sz="1400">
+              <a:rPr lang="is-IS" sz="1400" dirty="0">
                 <a:cs typeface="Calibri"/>
               </a:rPr>
               <a:t> (&lt;1024)</a:t>
             </a:r>
-            <a:endParaRPr lang="is-IS">
+            <a:endParaRPr lang="is-IS" dirty="0">
               <a:cs typeface="Calibri"/>
             </a:endParaRPr>
           </a:p>
           <a:p>
             <a:pPr algn="ctr"/>
             <a:r>
-              <a:rPr lang="is-IS">
+              <a:rPr lang="is-IS" dirty="0">
                 <a:cs typeface="Calibri"/>
               </a:rPr>
               <a:t>Jpeg2000 (B/</a:t>
             </a:r>
             <a:r>
-              <a:rPr lang="is-IS" err="1">
+              <a:rPr lang="is-IS" dirty="0" err="1">
                 <a:cs typeface="Calibri"/>
               </a:rPr>
               <a:t>W+shrink+compress</a:t>
             </a:r>
             <a:r>
-              <a:rPr lang="is-IS">
+              <a:rPr lang="is-IS" dirty="0">
                 <a:cs typeface="Calibri"/>
               </a:rPr>
               <a:t>)</a:t>
             </a:r>
-            <a:endParaRPr lang="is-IS"/>
+            <a:endParaRPr lang="is-IS" dirty="0"/>
           </a:p>
         </p:txBody>
       </p:sp>
@@ -9760,13 +9829,13 @@
           <a:p>
             <a:pPr algn="ctr"/>
             <a:r>
-              <a:rPr lang="is-IS" sz="1400" err="1">
+              <a:rPr lang="is-IS" sz="1400" dirty="0" err="1">
                 <a:cs typeface="Calibri"/>
               </a:rPr>
               <a:t>Signature</a:t>
             </a:r>
             <a:r>
-              <a:rPr lang="is-IS" sz="1400">
+              <a:rPr lang="is-IS" sz="1400" dirty="0">
                 <a:cs typeface="Calibri"/>
               </a:rPr>
               <a:t> Tag (1)</a:t>
@@ -9775,7 +9844,7 @@
           <a:p>
             <a:pPr algn="ctr"/>
             <a:r>
-              <a:rPr lang="is-IS">
+              <a:rPr lang="is-IS" dirty="0">
                 <a:cs typeface="Calibri" panose="020F0502020204030204"/>
               </a:rPr>
               <a:t>0x7F</a:t>
@@ -9951,7 +10020,7 @@
           <a:p>
             <a:pPr algn="ctr"/>
             <a:r>
-              <a:rPr lang="is-IS" sz="1400">
+              <a:rPr lang="is-IS" sz="1400" dirty="0">
                 <a:cs typeface="Calibri"/>
               </a:rPr>
               <a:t>MRZ tag (1)</a:t>
@@ -9960,7 +10029,7 @@
           <a:p>
             <a:pPr algn="ctr"/>
             <a:r>
-              <a:rPr lang="is-IS">
+              <a:rPr lang="is-IS" dirty="0">
                 <a:cs typeface="Calibri" panose="020F0502020204030204"/>
               </a:rPr>
               <a:t>0x07</a:t>
@@ -10110,48 +10179,48 @@
           <a:p>
             <a:pPr algn="ctr"/>
             <a:r>
-              <a:rPr lang="is-IS" sz="1400" err="1">
+              <a:rPr lang="is-IS" sz="1400" dirty="0" err="1">
                 <a:cs typeface="Calibri" panose="020F0502020204030204"/>
               </a:rPr>
               <a:t>Msg</a:t>
             </a:r>
             <a:r>
-              <a:rPr lang="is-IS" sz="1400">
+              <a:rPr lang="is-IS" sz="1400" dirty="0">
                 <a:cs typeface="Calibri" panose="020F0502020204030204"/>
               </a:rPr>
               <a:t> </a:t>
             </a:r>
             <a:r>
-              <a:rPr lang="is-IS" sz="1400" err="1">
+              <a:rPr lang="is-IS" sz="1400" dirty="0" err="1">
                 <a:cs typeface="Calibri" panose="020F0502020204030204"/>
               </a:rPr>
               <a:t>len</a:t>
             </a:r>
             <a:r>
-              <a:rPr lang="is-IS" sz="1400">
+              <a:rPr lang="is-IS" sz="1400" dirty="0">
                 <a:cs typeface="Calibri" panose="020F0502020204030204"/>
               </a:rPr>
               <a:t>(3)</a:t>
             </a:r>
             <a:br>
-              <a:rPr lang="is-IS">
+              <a:rPr lang="is-IS" dirty="0">
                 <a:cs typeface="Calibri" panose="020F0502020204030204"/>
               </a:rPr>
             </a:br>
             <a:r>
-              <a:rPr lang="is-IS" sz="1400">
+              <a:rPr lang="is-IS" sz="1400" dirty="0">
                 <a:cs typeface="Calibri" panose="020F0502020204030204"/>
               </a:rPr>
               <a:t>DER-T</a:t>
             </a:r>
             <a:r>
-              <a:rPr lang="is-IS" sz="1400" b="1">
+              <a:rPr lang="is-IS" sz="1400" b="1" dirty="0">
                 <a:cs typeface="Calibri" panose="020F0502020204030204"/>
               </a:rPr>
               <a:t>L</a:t>
             </a:r>
             <a:r>
-              <a:rPr lang="is-IS" sz="1400">
+              <a:rPr lang="is-IS" sz="1400" dirty="0">
                 <a:cs typeface="Calibri" panose="020F0502020204030204"/>
               </a:rPr>
               <a:t>V</a:t>
@@ -10301,42 +10370,42 @@
           <a:p>
             <a:pPr algn="ctr"/>
             <a:r>
-              <a:rPr lang="is-IS" sz="1400" err="1">
+              <a:rPr lang="is-IS" sz="1400" dirty="0" err="1">
                 <a:cs typeface="Calibri"/>
               </a:rPr>
               <a:t>Msg</a:t>
             </a:r>
             <a:r>
-              <a:rPr lang="is-IS" sz="1400">
+              <a:rPr lang="is-IS" sz="1400" dirty="0">
                 <a:cs typeface="Calibri"/>
               </a:rPr>
               <a:t> </a:t>
             </a:r>
             <a:r>
-              <a:rPr lang="is-IS" sz="1400" err="1">
+              <a:rPr lang="is-IS" sz="1400" dirty="0" err="1">
                 <a:cs typeface="Calibri"/>
               </a:rPr>
               <a:t>zone</a:t>
             </a:r>
             <a:r>
-              <a:rPr lang="is-IS" sz="1400">
+              <a:rPr lang="is-IS" sz="1400" dirty="0">
                 <a:cs typeface="Calibri"/>
               </a:rPr>
               <a:t>  tag(1)</a:t>
             </a:r>
-            <a:endParaRPr lang="en-US" sz="1400">
+            <a:endParaRPr lang="en-US" sz="1400" dirty="0">
               <a:cs typeface="Calibri"/>
             </a:endParaRPr>
           </a:p>
           <a:p>
             <a:pPr algn="ctr"/>
             <a:r>
-              <a:rPr lang="is-IS">
+              <a:rPr lang="is-IS" dirty="0">
                 <a:cs typeface="Calibri"/>
               </a:rPr>
               <a:t>0x61 ("T")</a:t>
             </a:r>
-            <a:endParaRPr lang="is-IS"/>
+            <a:endParaRPr lang="is-IS" dirty="0"/>
           </a:p>
         </p:txBody>
       </p:sp>
@@ -10388,13 +10457,13 @@
           <a:p>
             <a:pPr algn="ctr"/>
             <a:r>
-              <a:rPr lang="is-IS" sz="1400" err="1">
+              <a:rPr lang="is-IS" sz="1400" dirty="0" err="1">
                 <a:cs typeface="Calibri"/>
               </a:rPr>
               <a:t>Nat.MsgType</a:t>
             </a:r>
             <a:r>
-              <a:rPr lang="is-IS" sz="1400">
+              <a:rPr lang="is-IS" sz="1400" dirty="0">
                 <a:cs typeface="Calibri"/>
               </a:rPr>
               <a:t> (1)</a:t>
@@ -10403,7 +10472,7 @@
           <a:p>
             <a:pPr algn="ctr"/>
             <a:r>
-              <a:rPr lang="is-IS">
+              <a:rPr lang="is-IS" dirty="0">
                 <a:cs typeface="Calibri" panose="020F0502020204030204"/>
               </a:rPr>
               <a:t>0xAA</a:t>
@@ -10553,27 +10622,33 @@
           <a:p>
             <a:pPr algn="ctr"/>
             <a:r>
-              <a:rPr lang="is-IS" sz="1400" err="1">
+              <a:rPr lang="is-IS" sz="1400" dirty="0" err="1">
                 <a:cs typeface="Calibri" panose="020F0502020204030204"/>
               </a:rPr>
               <a:t>len</a:t>
             </a:r>
             <a:r>
-              <a:rPr lang="is-IS" sz="1400">
+              <a:rPr lang="is-IS" sz="1400" dirty="0">
                 <a:cs typeface="Calibri" panose="020F0502020204030204"/>
               </a:rPr>
               <a:t>(1)</a:t>
             </a:r>
             <a:br>
-              <a:rPr lang="is-IS">
+              <a:rPr lang="is-IS" dirty="0">
                 <a:cs typeface="Calibri" panose="020F0502020204030204"/>
               </a:rPr>
             </a:br>
             <a:r>
-              <a:rPr lang="is-IS" sz="1400">
-                <a:cs typeface="Calibri" panose="020F0502020204030204"/>
-              </a:rPr>
-              <a:t>44</a:t>
+              <a:rPr lang="is-IS" sz="1200" dirty="0">
+                <a:cs typeface="Calibri" panose="020F0502020204030204"/>
+              </a:rPr>
+              <a:t>1-4</a:t>
+            </a:r>
+            <a:r>
+              <a:rPr lang="is-IS" sz="1400" dirty="0">
+                <a:cs typeface="Calibri" panose="020F0502020204030204"/>
+              </a:rPr>
+              <a:t>4</a:t>
             </a:r>
           </a:p>
         </p:txBody>
@@ -10626,13 +10701,13 @@
           <a:p>
             <a:pPr algn="ctr"/>
             <a:r>
-              <a:rPr lang="is-IS" sz="1400" err="1">
+              <a:rPr lang="is-IS" sz="1400" dirty="0" err="1">
                 <a:cs typeface="Calibri"/>
               </a:rPr>
               <a:t>Nat.MsgType</a:t>
             </a:r>
             <a:r>
-              <a:rPr lang="is-IS" sz="1400">
+              <a:rPr lang="is-IS" sz="1400" dirty="0">
                 <a:cs typeface="Calibri"/>
               </a:rPr>
               <a:t> (1)</a:t>
@@ -10641,7 +10716,7 @@
           <a:p>
             <a:pPr algn="ctr"/>
             <a:r>
-              <a:rPr lang="is-IS">
+              <a:rPr lang="is-IS" dirty="0">
                 <a:cs typeface="Calibri" panose="020F0502020204030204"/>
               </a:rPr>
               <a:t>0xAB</a:t>
@@ -10791,41 +10866,41 @@
           <a:p>
             <a:pPr algn="ctr"/>
             <a:r>
-              <a:rPr lang="is-IS" sz="1400" err="1">
+              <a:rPr lang="is-IS" sz="1400" dirty="0" err="1">
                 <a:cs typeface="Calibri" panose="020F0502020204030204"/>
               </a:rPr>
               <a:t>len</a:t>
             </a:r>
             <a:r>
-              <a:rPr lang="is-IS" sz="1400">
+              <a:rPr lang="is-IS" sz="1400" dirty="0">
                 <a:cs typeface="Calibri" panose="020F0502020204030204"/>
               </a:rPr>
               <a:t>(3)</a:t>
             </a:r>
             <a:br>
-              <a:rPr lang="is-IS">
+              <a:rPr lang="is-IS" dirty="0">
                 <a:cs typeface="Calibri" panose="020F0502020204030204"/>
               </a:rPr>
             </a:br>
             <a:r>
-              <a:rPr lang="is-IS" sz="1400">
+              <a:rPr lang="is-IS" sz="1400" dirty="0">
                 <a:cs typeface="Calibri" panose="020F0502020204030204"/>
               </a:rPr>
               <a:t>DER-T</a:t>
             </a:r>
             <a:r>
-              <a:rPr lang="is-IS" sz="1400" b="1">
+              <a:rPr lang="is-IS" sz="1400" b="1" dirty="0">
                 <a:cs typeface="Calibri" panose="020F0502020204030204"/>
               </a:rPr>
               <a:t>L</a:t>
             </a:r>
             <a:r>
-              <a:rPr lang="is-IS" sz="1400">
+              <a:rPr lang="is-IS" sz="1400" dirty="0">
                 <a:cs typeface="Calibri" panose="020F0502020204030204"/>
               </a:rPr>
               <a:t>V</a:t>
             </a:r>
-            <a:endParaRPr lang="is-IS">
+            <a:endParaRPr lang="is-IS" dirty="0">
               <a:ea typeface="Calibri"/>
               <a:cs typeface="Calibri"/>
             </a:endParaRPr>
@@ -11142,42 +11217,42 @@
           <a:p>
             <a:pPr algn="ctr"/>
             <a:r>
-              <a:rPr lang="is-IS" sz="1400">
+              <a:rPr lang="is-IS" sz="1400" dirty="0">
                 <a:cs typeface="Calibri" panose="020F0502020204030204"/>
               </a:rPr>
               <a:t>MRZ </a:t>
             </a:r>
             <a:r>
-              <a:rPr lang="is-IS" sz="1400" err="1">
+              <a:rPr lang="is-IS" sz="1400" dirty="0" err="1">
                 <a:cs typeface="Calibri" panose="020F0502020204030204"/>
               </a:rPr>
               <a:t>len</a:t>
             </a:r>
             <a:r>
-              <a:rPr lang="is-IS" sz="1400">
+              <a:rPr lang="is-IS" sz="1400" dirty="0">
                 <a:cs typeface="Calibri" panose="020F0502020204030204"/>
               </a:rPr>
               <a:t>(1)</a:t>
             </a:r>
             <a:br>
-              <a:rPr lang="is-IS">
+              <a:rPr lang="is-IS" dirty="0">
                 <a:cs typeface="Calibri" panose="020F0502020204030204"/>
               </a:rPr>
             </a:br>
             <a:r>
-              <a:rPr lang="is-IS" sz="1400">
+              <a:rPr lang="is-IS" sz="1400" dirty="0">
                 <a:cs typeface="Calibri" panose="020F0502020204030204"/>
               </a:rPr>
               <a:t>0x3C (60) </a:t>
             </a:r>
             <a:r>
-              <a:rPr lang="is-IS" sz="1400" err="1">
+              <a:rPr lang="is-IS" sz="1400" dirty="0" err="1">
                 <a:cs typeface="Calibri" panose="020F0502020204030204"/>
               </a:rPr>
               <a:t>or</a:t>
             </a:r>
             <a:r>
-              <a:rPr lang="is-IS" sz="1400">
+              <a:rPr lang="is-IS" sz="1400" dirty="0">
                 <a:cs typeface="Calibri" panose="020F0502020204030204"/>
               </a:rPr>
               <a:t> 0x5A (90)</a:t>
@@ -11300,30 +11375,42 @@
               <a:buNone/>
             </a:pPr>
             <a:r>
-              <a:rPr lang="is-IS">
-                <a:cs typeface="Calibri" panose="020F0502020204030204"/>
-              </a:rPr>
-              <a:t>Encoded structure</a:t>
+              <a:rPr lang="is-IS" dirty="0" err="1">
+                <a:cs typeface="Calibri" panose="020F0502020204030204"/>
+              </a:rPr>
+              <a:t>Encoded</a:t>
+            </a:r>
+            <a:r>
+              <a:rPr lang="is-IS" dirty="0">
+                <a:cs typeface="Calibri" panose="020F0502020204030204"/>
+              </a:rPr>
+              <a:t> </a:t>
+            </a:r>
+            <a:r>
+              <a:rPr lang="is-IS" dirty="0" err="1">
+                <a:cs typeface="Calibri" panose="020F0502020204030204"/>
+              </a:rPr>
+              <a:t>structure</a:t>
             </a:r>
             <a:br>
-              <a:rPr lang="is-IS">
+              <a:rPr lang="is-IS" dirty="0">
                 <a:cs typeface="Calibri" panose="020F0502020204030204"/>
               </a:rPr>
             </a:br>
             <a:r>
-              <a:rPr lang="is-IS">
+              <a:rPr lang="is-IS" dirty="0">
                 <a:cs typeface="Calibri" panose="020F0502020204030204"/>
               </a:rPr>
               <a:t>for </a:t>
             </a:r>
             <a:r>
-              <a:rPr lang="is-IS" err="1">
+              <a:rPr lang="is-IS" dirty="0" err="1">
                 <a:cs typeface="Calibri" panose="020F0502020204030204"/>
               </a:rPr>
               <a:t>signing</a:t>
             </a:r>
             <a:r>
-              <a:rPr lang="is-IS">
+              <a:rPr lang="is-IS" dirty="0">
                 <a:cs typeface="Calibri" panose="020F0502020204030204"/>
               </a:rPr>
               <a:t> (&lt;1129):</a:t>
@@ -11334,36 +11421,36 @@
               <a:buNone/>
             </a:pPr>
             <a:r>
-              <a:rPr lang="is-IS" err="1">
+              <a:rPr lang="is-IS" dirty="0" err="1">
                 <a:cs typeface="Calibri" panose="020F0502020204030204"/>
               </a:rPr>
               <a:t>Signed</a:t>
             </a:r>
             <a:r>
-              <a:rPr lang="is-IS">
+              <a:rPr lang="is-IS" dirty="0">
                 <a:cs typeface="Calibri" panose="020F0502020204030204"/>
               </a:rPr>
               <a:t> </a:t>
             </a:r>
             <a:r>
-              <a:rPr lang="is-IS" err="1">
+              <a:rPr lang="is-IS" dirty="0" err="1">
                 <a:cs typeface="Calibri" panose="020F0502020204030204"/>
               </a:rPr>
               <a:t>structure</a:t>
             </a:r>
             <a:r>
-              <a:rPr lang="is-IS">
+              <a:rPr lang="is-IS" dirty="0">
                 <a:cs typeface="Calibri" panose="020F0502020204030204"/>
               </a:rPr>
               <a:t> </a:t>
             </a:r>
             <a:br>
-              <a:rPr lang="is-IS">
+              <a:rPr lang="is-IS" dirty="0">
                 <a:cs typeface="Calibri" panose="020F0502020204030204"/>
               </a:rPr>
             </a:br>
             <a:r>
-              <a:rPr lang="is-IS">
+              <a:rPr lang="is-IS" dirty="0">
                 <a:cs typeface="Calibri" panose="020F0502020204030204"/>
               </a:rPr>
               <a:t>(&lt;1204):</a:t>
@@ -11374,83 +11461,83 @@
               <a:buNone/>
             </a:pPr>
             <a:r>
-              <a:rPr lang="is-IS">
+              <a:rPr lang="is-IS" dirty="0">
                 <a:cs typeface="Calibri" panose="020F0502020204030204"/>
               </a:rPr>
               <a:t>ZLIB </a:t>
             </a:r>
             <a:r>
-              <a:rPr lang="is-IS" err="1">
+              <a:rPr lang="is-IS" dirty="0" err="1">
                 <a:cs typeface="Calibri" panose="020F0502020204030204"/>
               </a:rPr>
               <a:t>compressed</a:t>
             </a:r>
             <a:br>
-              <a:rPr lang="is-IS">
+              <a:rPr lang="is-IS" dirty="0">
                 <a:cs typeface="Calibri" panose="020F0502020204030204"/>
               </a:rPr>
             </a:br>
             <a:r>
-              <a:rPr lang="is-IS">
+              <a:rPr lang="is-IS" dirty="0">
                 <a:cs typeface="Calibri" panose="020F0502020204030204"/>
               </a:rPr>
               <a:t>level9 (</a:t>
             </a:r>
             <a:r>
-              <a:rPr lang="is-IS" sz="1800">
+              <a:rPr lang="is-IS" sz="1800" dirty="0">
                 <a:cs typeface="Calibri" panose="020F0502020204030204"/>
               </a:rPr>
               <a:t>∼</a:t>
             </a:r>
             <a:r>
-              <a:rPr lang="is-IS">
+              <a:rPr lang="is-IS" dirty="0">
                 <a:cs typeface="Calibri" panose="020F0502020204030204"/>
               </a:rPr>
               <a:t>1196):</a:t>
             </a:r>
-            <a:endParaRPr lang="is-IS"/>
+            <a:endParaRPr lang="is-IS" dirty="0"/>
           </a:p>
           <a:p>
             <a:pPr marL="0" indent="0">
               <a:buNone/>
             </a:pPr>
             <a:r>
-              <a:rPr lang="is-IS">
+              <a:rPr lang="is-IS" dirty="0">
                 <a:cs typeface="Calibri" panose="020F0502020204030204"/>
               </a:rPr>
               <a:t>Base32 </a:t>
             </a:r>
             <a:r>
-              <a:rPr lang="is-IS" err="1">
+              <a:rPr lang="is-IS" dirty="0" err="1">
                 <a:cs typeface="Calibri" panose="020F0502020204030204"/>
               </a:rPr>
               <a:t>encoded</a:t>
             </a:r>
             <a:r>
-              <a:rPr lang="is-IS">
+              <a:rPr lang="is-IS" dirty="0">
                 <a:cs typeface="Calibri" panose="020F0502020204030204"/>
               </a:rPr>
               <a:t> (8/5)</a:t>
             </a:r>
             <a:br>
-              <a:rPr lang="is-IS">
+              <a:rPr lang="is-IS" dirty="0">
                 <a:cs typeface="Calibri" panose="020F0502020204030204"/>
               </a:rPr>
             </a:br>
             <a:r>
-              <a:rPr lang="is-IS">
+              <a:rPr lang="is-IS" dirty="0">
                 <a:cs typeface="Calibri" panose="020F0502020204030204"/>
               </a:rPr>
               <a:t>+de-</a:t>
             </a:r>
             <a:r>
-              <a:rPr lang="is-IS" err="1">
+              <a:rPr lang="is-IS" dirty="0" err="1">
                 <a:cs typeface="Calibri" panose="020F0502020204030204"/>
               </a:rPr>
               <a:t>padding</a:t>
             </a:r>
             <a:r>
-              <a:rPr lang="is-IS">
+              <a:rPr lang="is-IS" dirty="0">
                 <a:cs typeface="Calibri" panose="020F0502020204030204"/>
               </a:rPr>
               <a:t> (&lt;1866):</a:t>
@@ -11461,23 +11548,29 @@
               <a:buNone/>
             </a:pPr>
             <a:r>
-              <a:rPr lang="is-IS">
-                <a:cs typeface="Calibri" panose="020F0502020204030204"/>
-              </a:rPr>
-              <a:t>Barcode from Base32</a:t>
+              <a:rPr lang="is-IS" dirty="0" err="1">
+                <a:cs typeface="Calibri" panose="020F0502020204030204"/>
+              </a:rPr>
+              <a:t>Barcode</a:t>
+            </a:r>
+            <a:r>
+              <a:rPr lang="is-IS" dirty="0">
+                <a:cs typeface="Calibri" panose="020F0502020204030204"/>
+              </a:rPr>
+              <a:t> from Base32</a:t>
             </a:r>
             <a:br>
-              <a:rPr lang="is-IS">
+              <a:rPr lang="is-IS" dirty="0">
                 <a:cs typeface="Calibri" panose="020F0502020204030204"/>
               </a:rPr>
             </a:br>
             <a:r>
-              <a:rPr lang="is-IS">
+              <a:rPr lang="is-IS" dirty="0">
                 <a:cs typeface="Calibri" panose="020F0502020204030204"/>
               </a:rPr>
               <a:t>(25x25mm 600dpi):           </a:t>
             </a:r>
-            <a:endParaRPr lang="is-IS">
+            <a:endParaRPr lang="is-IS" dirty="0">
               <a:solidFill>
                 <a:srgbClr val="FF0000"/>
               </a:solidFill>
@@ -14839,6 +14932,27 @@
 </file>
 
 <file path=customXml/item1.xml><?xml version="1.0" encoding="utf-8"?>
+<?mso-contentType ?>
+<FormTemplates xmlns="http://schemas.microsoft.com/sharepoint/v3/contenttype/forms">
+  <Display>DocumentLibraryForm</Display>
+  <Edit>DocumentLibraryForm</Edit>
+  <New>DocumentLibraryForm</New>
+</FormTemplates>
+</file>
+
+<file path=customXml/item2.xml><?xml version="1.0" encoding="utf-8"?>
+<p:properties xmlns:p="http://schemas.microsoft.com/office/2006/metadata/properties" xmlns:xsi="http://www.w3.org/2001/XMLSchema-instance" xmlns:pc="http://schemas.microsoft.com/office/infopath/2007/PartnerControls">
+  <documentManagement>
+    <lcf76f155ced4ddcb4097134ff3c332f xmlns="99860e0e-9e99-48ed-85cf-ed56398403cb">
+      <Terms xmlns="http://schemas.microsoft.com/office/infopath/2007/PartnerControls"/>
+    </lcf76f155ced4ddcb4097134ff3c332f>
+    <TaxCatchAll xmlns="61150db6-8d68-41c5-bc78-090ddac52e03" xsi:nil="true"/>
+    <Endurgera xmlns="99860e0e-9e99-48ed-85cf-ed56398403cb" xsi:nil="true"/>
+  </documentManagement>
+</p:properties>
+</file>
+
+<file path=customXml/item3.xml><?xml version="1.0" encoding="utf-8"?>
 <ct:contentTypeSchema xmlns:ct="http://schemas.microsoft.com/office/2006/metadata/contentType" xmlns:ma="http://schemas.microsoft.com/office/2006/metadata/properties/metaAttributes" ct:_="" ma:_="" ma:contentTypeName="Document" ma:contentTypeID="0x0101000229C98AAC6EAC46BA8E7D896C85123F" ma:contentTypeVersion="14" ma:contentTypeDescription="Create a new document." ma:contentTypeScope="" ma:versionID="a53733a194f6e2a5aed512577a8804e9">
   <xsd:schema xmlns:xsd="http://www.w3.org/2001/XMLSchema" xmlns:xs="http://www.w3.org/2001/XMLSchema" xmlns:p="http://schemas.microsoft.com/office/2006/metadata/properties" xmlns:ns2="99860e0e-9e99-48ed-85cf-ed56398403cb" xmlns:ns3="61150db6-8d68-41c5-bc78-090ddac52e03" targetNamespace="http://schemas.microsoft.com/office/2006/metadata/properties" ma:root="true" ma:fieldsID="794a6dd5cb43b092d54517ff433ddc7e" ns2:_="" ns3:_="">
     <xsd:import namespace="99860e0e-9e99-48ed-85cf-ed56398403cb"/>
@@ -15069,28 +15183,26 @@
 </ct:contentTypeSchema>
 </file>
 
-<file path=customXml/item2.xml><?xml version="1.0" encoding="utf-8"?>
-<p:properties xmlns:p="http://schemas.microsoft.com/office/2006/metadata/properties" xmlns:xsi="http://www.w3.org/2001/XMLSchema-instance" xmlns:pc="http://schemas.microsoft.com/office/infopath/2007/PartnerControls">
-  <documentManagement>
-    <lcf76f155ced4ddcb4097134ff3c332f xmlns="99860e0e-9e99-48ed-85cf-ed56398403cb">
-      <Terms xmlns="http://schemas.microsoft.com/office/infopath/2007/PartnerControls"/>
-    </lcf76f155ced4ddcb4097134ff3c332f>
-    <TaxCatchAll xmlns="61150db6-8d68-41c5-bc78-090ddac52e03" xsi:nil="true"/>
-    <Endurgera xmlns="99860e0e-9e99-48ed-85cf-ed56398403cb" xsi:nil="true"/>
-  </documentManagement>
-</p:properties>
+<file path=customXml/itemProps1.xml><?xml version="1.0" encoding="utf-8"?>
+<ds:datastoreItem xmlns:ds="http://schemas.openxmlformats.org/officeDocument/2006/customXml" ds:itemID="{3E1DED10-8377-45AE-B301-3DFD21C713E5}">
+  <ds:schemaRefs>
+    <ds:schemaRef ds:uri="http://schemas.microsoft.com/sharepoint/v3/contenttype/forms"/>
+  </ds:schemaRefs>
+</ds:datastoreItem>
 </file>
 
-<file path=customXml/item3.xml><?xml version="1.0" encoding="utf-8"?>
-<?mso-contentType ?>
-<FormTemplates xmlns="http://schemas.microsoft.com/sharepoint/v3/contenttype/forms">
-  <Display>DocumentLibraryForm</Display>
-  <Edit>DocumentLibraryForm</Edit>
-  <New>DocumentLibraryForm</New>
-</FormTemplates>
+<file path=customXml/itemProps2.xml><?xml version="1.0" encoding="utf-8"?>
+<ds:datastoreItem xmlns:ds="http://schemas.openxmlformats.org/officeDocument/2006/customXml" ds:itemID="{7FAADC97-C5F4-4E1D-88C0-E963035DF0B9}">
+  <ds:schemaRefs>
+    <ds:schemaRef ds:uri="61150db6-8d68-41c5-bc78-090ddac52e03"/>
+    <ds:schemaRef ds:uri="99860e0e-9e99-48ed-85cf-ed56398403cb"/>
+    <ds:schemaRef ds:uri="http://schemas.microsoft.com/office/2006/metadata/properties"/>
+    <ds:schemaRef ds:uri="http://schemas.microsoft.com/office/infopath/2007/PartnerControls"/>
+  </ds:schemaRefs>
+</ds:datastoreItem>
 </file>
 
-<file path=customXml/itemProps1.xml><?xml version="1.0" encoding="utf-8"?>
+<file path=customXml/itemProps3.xml><?xml version="1.0" encoding="utf-8"?>
 <ds:datastoreItem xmlns:ds="http://schemas.openxmlformats.org/officeDocument/2006/customXml" ds:itemID="{53693929-EF3E-4E55-B135-6A9381F4C993}">
   <ds:schemaRefs>
     <ds:schemaRef ds:uri="61150db6-8d68-41c5-bc78-090ddac52e03"/>
@@ -15107,23 +15219,4 @@
     <ds:schemaRef ds:uri="http://www.w3.org/2001/XMLSchema"/>
   </ds:schemaRefs>
 </ds:datastoreItem>
-</file>
-
-<file path=customXml/itemProps2.xml><?xml version="1.0" encoding="utf-8"?>
-<ds:datastoreItem xmlns:ds="http://schemas.openxmlformats.org/officeDocument/2006/customXml" ds:itemID="{7FAADC97-C5F4-4E1D-88C0-E963035DF0B9}">
-  <ds:schemaRefs>
-    <ds:schemaRef ds:uri="61150db6-8d68-41c5-bc78-090ddac52e03"/>
-    <ds:schemaRef ds:uri="99860e0e-9e99-48ed-85cf-ed56398403cb"/>
-    <ds:schemaRef ds:uri="http://schemas.microsoft.com/office/2006/metadata/properties"/>
-    <ds:schemaRef ds:uri="http://schemas.microsoft.com/office/infopath/2007/PartnerControls"/>
-  </ds:schemaRefs>
-</ds:datastoreItem>
-</file>
-
-<file path=customXml/itemProps3.xml><?xml version="1.0" encoding="utf-8"?>
-<ds:datastoreItem xmlns:ds="http://schemas.openxmlformats.org/officeDocument/2006/customXml" ds:itemID="{3E1DED10-8377-45AE-B301-3DFD21C713E5}">
-  <ds:schemaRefs>
-    <ds:schemaRef ds:uri="http://schemas.microsoft.com/sharepoint/v3/contenttype/forms"/>
-  </ds:schemaRefs>
-</ds:datastoreItem>
 </file>
--- a/Icelandic ID-card - barcode diagrams.pptx
+++ b/Icelandic ID-card - barcode diagrams.pptx
@@ -2751,15 +2751,15 @@
           <inkml:channelProperty channel="F" name="resolution" value="0" units="1/dev"/>
         </inkml:channelProperties>
       </inkml:inkSource>
-      <inkml:timestamp xml:id="ts0" timeString="2024-02-27T11:17:34.282"/>
+      <inkml:timestamp xml:id="ts0" timeString="2024-02-27T11:19:50.969"/>
     </inkml:context>
     <inkml:brush xml:id="br0">
       <inkml:brushProperty name="width" value="0.05" units="cm"/>
       <inkml:brushProperty name="height" value="0.05" units="cm"/>
-      <inkml:brushProperty name="color" value="#004F8B"/>
+      <inkml:brushProperty name="color" value="#E71224"/>
     </inkml:brush>
   </inkml:definitions>
-  <inkml:trace contextRef="#ctx0" brushRef="#br0">0 0 24575,'0'0'-8191</inkml:trace>
+  <inkml:trace contextRef="#ctx0" brushRef="#br0">376 0 24575,'-5'0'0,"-5"4"0,-5 2 0,-5 4 0,-3 4 0,-3 5 0,0 3 0,0 2 0,-5-3 0,-1 4 0,0 2 0,2-4 0,6-2 0,2-4 0,5 0 0,2-4 0,2 1 0,5-3-8191</inkml:trace>
 </inkml:ink>
 </file>
 
@@ -2891,15 +2891,15 @@
           <inkml:channelProperty channel="F" name="resolution" value="0" units="1/dev"/>
         </inkml:channelProperties>
       </inkml:inkSource>
-      <inkml:timestamp xml:id="ts0" timeString="2024-02-27T11:17:20.300"/>
+      <inkml:timestamp xml:id="ts0" timeString="2024-02-27T11:19:40.695"/>
     </inkml:context>
     <inkml:brush xml:id="br0">
       <inkml:brushProperty name="width" value="0.05" units="cm"/>
       <inkml:brushProperty name="height" value="0.05" units="cm"/>
-      <inkml:brushProperty name="color" value="#E71224"/>
+      <inkml:brushProperty name="color" value="#004F8B"/>
     </inkml:brush>
   </inkml:definitions>
-  <inkml:trace contextRef="#ctx0" brushRef="#br0">165 210 24575,'0'-4'0,"-4"-1"0,-2-5 0,-4-5 0,-5-3 0,-3-4 0,0-3 0,0 0 0,-2-1 0,-2 4 0,3 1 0,5 5-8191</inkml:trace>
+  <inkml:trace contextRef="#ctx0" brushRef="#br0">42 236 24575,'0'-4'0,"0"-6"0,0-6 0,0-4 0,0-3 0,0-2 0,-4 3 0,-2 2 0,0-2 0,2 1 0,-4 2 0,1 1 0,0 3-8191</inkml:trace>
 </inkml:ink>
 </file>
 
@@ -2919,15 +2919,15 @@
           <inkml:channelProperty channel="F" name="resolution" value="0" units="1/dev"/>
         </inkml:channelProperties>
       </inkml:inkSource>
-      <inkml:timestamp xml:id="ts0" timeString="2024-02-27T11:17:21.687"/>
+      <inkml:timestamp xml:id="ts0" timeString="2024-02-27T11:19:41.053"/>
     </inkml:context>
     <inkml:brush xml:id="br0">
       <inkml:brushProperty name="width" value="0.05" units="cm"/>
       <inkml:brushProperty name="height" value="0.05" units="cm"/>
-      <inkml:brushProperty name="color" value="#E71224"/>
+      <inkml:brushProperty name="color" value="#004F8B"/>
     </inkml:brush>
   </inkml:definitions>
-  <inkml:trace contextRef="#ctx0" brushRef="#br0">128 0 24575,'-4'5'0,"-7"5"0,0 6 0,-3-1 0,1 3 0,2 1 0,-1-1 0,2-1 0,-2-2 0,-4 0 0,2-2-8191</inkml:trace>
+  <inkml:trace contextRef="#ctx0" brushRef="#br0">0 1 24575,'0'0'-8191</inkml:trace>
 </inkml:ink>
 </file>
 
@@ -2947,7 +2947,7 @@
           <inkml:channelProperty channel="F" name="resolution" value="0" units="1/dev"/>
         </inkml:channelProperties>
       </inkml:inkSource>
-      <inkml:timestamp xml:id="ts0" timeString="2024-02-27T11:17:29.769"/>
+      <inkml:timestamp xml:id="ts0" timeString="2024-02-27T11:19:43.086"/>
     </inkml:context>
     <inkml:brush xml:id="br0">
       <inkml:brushProperty name="width" value="0.05" units="cm"/>
@@ -2955,7 +2955,7 @@
       <inkml:brushProperty name="color" value="#004F8B"/>
     </inkml:brush>
   </inkml:definitions>
-  <inkml:trace contextRef="#ctx0" brushRef="#br0">73 282 24575,'0'-4'0,"0"-6"0,0-6 0,-4-4 0,-2-3 0,0-2 0,-2-1 0,-1 0 0,1-1 0,3 1 0,-3 4 0,0 2 0,2 0 0,1 3-8191</inkml:trace>
+  <inkml:trace contextRef="#ctx0" brushRef="#br0">105 1 24575,'0'4'0,"0"6"0,0 6 0,-4 0 0,-6-3 0,-6 1 0,-4-2 0,1 1 0,0-1 0,3-4-8191</inkml:trace>
 </inkml:ink>
 </file>
 
@@ -2975,15 +2975,15 @@
           <inkml:channelProperty channel="F" name="resolution" value="0" units="1/dev"/>
         </inkml:channelProperties>
       </inkml:inkSource>
-      <inkml:timestamp xml:id="ts0" timeString="2024-02-27T11:17:33.047"/>
+      <inkml:timestamp xml:id="ts0" timeString="2024-02-27T11:19:49.525"/>
     </inkml:context>
     <inkml:brush xml:id="br0">
       <inkml:brushProperty name="width" value="0.05" units="cm"/>
       <inkml:brushProperty name="height" value="0.05" units="cm"/>
-      <inkml:brushProperty name="color" value="#004F8B"/>
+      <inkml:brushProperty name="color" value="#E71224"/>
     </inkml:brush>
   </inkml:definitions>
-  <inkml:trace contextRef="#ctx0" brushRef="#br0">180 0 24575,'-4'0'0,"-6"0"0,-6 4 0,-4 2 0,1 4 0,0 0 0,3 3 0,3 3 0,1 0 0,2 0 0,-2-1 0,-2 0 0,0-2-8191</inkml:trace>
+  <inkml:trace contextRef="#ctx0" brushRef="#br0">169 259 24575,'0'-4'0,"-4"-6"0,-2-5 0,-4-1 0,0-1 0,1-3 0,-1 3 0,0-1 0,-2 3 0,0 0 0,-1 2 0,1 0 0,-1-4 0,1-2 0,-2 2 0,2 0 0,3 2-8191</inkml:trace>
 </inkml:ink>
 </file>
 
@@ -8879,137 +8879,14 @@
           </p:pic>
         </mc:Fallback>
       </mc:AlternateContent>
-      <p:grpSp>
-        <p:nvGrpSpPr>
-          <p:cNvPr id="21" name="Group 20">
-            <a:extLst>
-              <a:ext uri="{FF2B5EF4-FFF2-40B4-BE49-F238E27FC236}">
-                <a16:creationId xmlns:a16="http://schemas.microsoft.com/office/drawing/2014/main" id="{0653BD1F-803C-94FA-B487-86F139F5027A}"/>
-              </a:ext>
-            </a:extLst>
-          </p:cNvPr>
-          <p:cNvGrpSpPr/>
-          <p:nvPr/>
-        </p:nvGrpSpPr>
-        <p:grpSpPr>
-          <a:xfrm>
-            <a:off x="635688" y="5730696"/>
-            <a:ext cx="59760" cy="142920"/>
-            <a:chOff x="635688" y="5730696"/>
-            <a:chExt cx="59760" cy="142920"/>
-          </a:xfrm>
-        </p:grpSpPr>
-        <mc:AlternateContent xmlns:mc="http://schemas.openxmlformats.org/markup-compatibility/2006">
-          <mc:Choice xmlns:p14="http://schemas.microsoft.com/office/powerpoint/2010/main" Requires="p14">
-            <p:contentPart p14:bwMode="auto" r:id="rId17">
-              <p14:nvContentPartPr>
-                <p14:cNvPr id="7" name="Ink 6">
-                  <a:extLst>
-                    <a:ext uri="{FF2B5EF4-FFF2-40B4-BE49-F238E27FC236}">
-                      <a16:creationId xmlns:a16="http://schemas.microsoft.com/office/drawing/2014/main" id="{D59DD8F9-B7A9-936A-E53D-8B039665BE69}"/>
-                    </a:ext>
-                  </a:extLst>
-                </p14:cNvPr>
-                <p14:cNvContentPartPr/>
-                <p14:nvPr/>
-              </p14:nvContentPartPr>
-              <p14:xfrm>
-                <a:off x="635688" y="5730696"/>
-                <a:ext cx="59400" cy="75600"/>
-              </p14:xfrm>
-            </p:contentPart>
-          </mc:Choice>
-          <mc:Fallback>
-            <p:pic>
-              <p:nvPicPr>
-                <p:cNvPr id="7" name="Ink 6">
-                  <a:extLst>
-                    <a:ext uri="{FF2B5EF4-FFF2-40B4-BE49-F238E27FC236}">
-                      <a16:creationId xmlns:a16="http://schemas.microsoft.com/office/drawing/2014/main" id="{D59DD8F9-B7A9-936A-E53D-8B039665BE69}"/>
-                    </a:ext>
-                  </a:extLst>
-                </p:cNvPr>
-                <p:cNvPicPr/>
-                <p:nvPr/>
-              </p:nvPicPr>
-              <p:blipFill>
-                <a:blip r:embed="rId18"/>
-                <a:stretch>
-                  <a:fillRect/>
-                </a:stretch>
-              </p:blipFill>
-              <p:spPr>
-                <a:xfrm>
-                  <a:off x="627048" y="5722056"/>
-                  <a:ext cx="77040" cy="93240"/>
-                </a:xfrm>
-                <a:prstGeom prst="rect">
-                  <a:avLst/>
-                </a:prstGeom>
-              </p:spPr>
-            </p:pic>
-          </mc:Fallback>
-        </mc:AlternateContent>
-        <mc:AlternateContent xmlns:mc="http://schemas.openxmlformats.org/markup-compatibility/2006">
-          <mc:Choice xmlns:p14="http://schemas.microsoft.com/office/powerpoint/2010/main" Requires="p14">
-            <p:contentPart p14:bwMode="auto" r:id="rId19">
-              <p14:nvContentPartPr>
-                <p14:cNvPr id="10" name="Ink 9">
-                  <a:extLst>
-                    <a:ext uri="{FF2B5EF4-FFF2-40B4-BE49-F238E27FC236}">
-                      <a16:creationId xmlns:a16="http://schemas.microsoft.com/office/drawing/2014/main" id="{30E3AE3D-9CFF-D921-6218-A742B25DC8E7}"/>
-                    </a:ext>
-                  </a:extLst>
-                </p14:cNvPr>
-                <p14:cNvContentPartPr/>
-                <p14:nvPr/>
-              </p14:nvContentPartPr>
-              <p14:xfrm>
-                <a:off x="649008" y="5815296"/>
-                <a:ext cx="46440" cy="58320"/>
-              </p14:xfrm>
-            </p:contentPart>
-          </mc:Choice>
-          <mc:Fallback>
-            <p:pic>
-              <p:nvPicPr>
-                <p:cNvPr id="10" name="Ink 9">
-                  <a:extLst>
-                    <a:ext uri="{FF2B5EF4-FFF2-40B4-BE49-F238E27FC236}">
-                      <a16:creationId xmlns:a16="http://schemas.microsoft.com/office/drawing/2014/main" id="{30E3AE3D-9CFF-D921-6218-A742B25DC8E7}"/>
-                    </a:ext>
-                  </a:extLst>
-                </p:cNvPr>
-                <p:cNvPicPr/>
-                <p:nvPr/>
-              </p:nvPicPr>
-              <p:blipFill>
-                <a:blip r:embed="rId20"/>
-                <a:stretch>
-                  <a:fillRect/>
-                </a:stretch>
-              </p:blipFill>
-              <p:spPr>
-                <a:xfrm>
-                  <a:off x="640008" y="5806296"/>
-                  <a:ext cx="64080" cy="75960"/>
-                </a:xfrm>
-                <a:prstGeom prst="rect">
-                  <a:avLst/>
-                </a:prstGeom>
-              </p:spPr>
-            </p:pic>
-          </mc:Fallback>
-        </mc:AlternateContent>
-      </p:grpSp>
       <mc:AlternateContent xmlns:mc="http://schemas.openxmlformats.org/markup-compatibility/2006">
         <mc:Choice xmlns:p14="http://schemas.microsoft.com/office/powerpoint/2010/main" Requires="p14">
-          <p:contentPart p14:bwMode="auto" r:id="rId21">
+          <p:contentPart p14:bwMode="auto" r:id="rId17">
             <p14:nvContentPartPr>
-              <p14:cNvPr id="26" name="Ink 25">
+              <p14:cNvPr id="7" name="Ink 6">
                 <a:extLst>
                   <a:ext uri="{FF2B5EF4-FFF2-40B4-BE49-F238E27FC236}">
-                    <a16:creationId xmlns:a16="http://schemas.microsoft.com/office/drawing/2014/main" id="{B2F60D8B-D342-08F7-0B65-110735E08881}"/>
+                    <a16:creationId xmlns:a16="http://schemas.microsoft.com/office/drawing/2014/main" id="{973D00E0-5E70-D92E-71DD-9FFA855E8CCC}"/>
                   </a:ext>
                 </a:extLst>
               </p14:cNvPr>
@@ -9017,18 +8894,120 @@
               <p14:nvPr/>
             </p14:nvContentPartPr>
             <p14:xfrm>
-              <a:off x="787608" y="5613336"/>
-              <a:ext cx="26640" cy="101880"/>
+              <a:off x="798768" y="5620896"/>
+              <a:ext cx="15480" cy="84960"/>
             </p14:xfrm>
           </p:contentPart>
         </mc:Choice>
         <mc:Fallback>
           <p:pic>
             <p:nvPicPr>
-              <p:cNvPr id="26" name="Ink 25">
+              <p:cNvPr id="7" name="Ink 6">
                 <a:extLst>
                   <a:ext uri="{FF2B5EF4-FFF2-40B4-BE49-F238E27FC236}">
-                    <a16:creationId xmlns:a16="http://schemas.microsoft.com/office/drawing/2014/main" id="{B2F60D8B-D342-08F7-0B65-110735E08881}"/>
+                    <a16:creationId xmlns:a16="http://schemas.microsoft.com/office/drawing/2014/main" id="{973D00E0-5E70-D92E-71DD-9FFA855E8CCC}"/>
+                  </a:ext>
+                </a:extLst>
+              </p:cNvPr>
+              <p:cNvPicPr/>
+              <p:nvPr/>
+            </p:nvPicPr>
+            <p:blipFill>
+              <a:blip r:embed="rId18"/>
+              <a:stretch>
+                <a:fillRect/>
+              </a:stretch>
+            </p:blipFill>
+            <p:spPr>
+              <a:xfrm>
+                <a:off x="789768" y="5612256"/>
+                <a:ext cx="33120" cy="102600"/>
+              </a:xfrm>
+              <a:prstGeom prst="rect">
+                <a:avLst/>
+              </a:prstGeom>
+            </p:spPr>
+          </p:pic>
+        </mc:Fallback>
+      </mc:AlternateContent>
+      <mc:AlternateContent xmlns:mc="http://schemas.openxmlformats.org/markup-compatibility/2006">
+        <mc:Choice xmlns:p14="http://schemas.microsoft.com/office/powerpoint/2010/main" Requires="p14">
+          <p:contentPart p14:bwMode="auto" r:id="rId19">
+            <p14:nvContentPartPr>
+              <p14:cNvPr id="10" name="Ink 9">
+                <a:extLst>
+                  <a:ext uri="{FF2B5EF4-FFF2-40B4-BE49-F238E27FC236}">
+                    <a16:creationId xmlns:a16="http://schemas.microsoft.com/office/drawing/2014/main" id="{DFFAC6D2-9A3B-C358-29AC-D8251E9D1E28}"/>
+                  </a:ext>
+                </a:extLst>
+              </p14:cNvPr>
+              <p14:cNvContentPartPr/>
+              <p14:nvPr/>
+            </p14:nvContentPartPr>
+            <p14:xfrm>
+              <a:off x="795528" y="5614056"/>
+              <a:ext cx="360" cy="360"/>
+            </p14:xfrm>
+          </p:contentPart>
+        </mc:Choice>
+        <mc:Fallback>
+          <p:pic>
+            <p:nvPicPr>
+              <p:cNvPr id="10" name="Ink 9">
+                <a:extLst>
+                  <a:ext uri="{FF2B5EF4-FFF2-40B4-BE49-F238E27FC236}">
+                    <a16:creationId xmlns:a16="http://schemas.microsoft.com/office/drawing/2014/main" id="{DFFAC6D2-9A3B-C358-29AC-D8251E9D1E28}"/>
+                  </a:ext>
+                </a:extLst>
+              </p:cNvPr>
+              <p:cNvPicPr/>
+              <p:nvPr/>
+            </p:nvPicPr>
+            <p:blipFill>
+              <a:blip r:embed="rId20"/>
+              <a:stretch>
+                <a:fillRect/>
+              </a:stretch>
+            </p:blipFill>
+            <p:spPr>
+              <a:xfrm>
+                <a:off x="786528" y="5605416"/>
+                <a:ext cx="18000" cy="18000"/>
+              </a:xfrm>
+              <a:prstGeom prst="rect">
+                <a:avLst/>
+              </a:prstGeom>
+            </p:spPr>
+          </p:pic>
+        </mc:Fallback>
+      </mc:AlternateContent>
+      <mc:AlternateContent xmlns:mc="http://schemas.openxmlformats.org/markup-compatibility/2006">
+        <mc:Choice xmlns:p14="http://schemas.microsoft.com/office/powerpoint/2010/main" Requires="p14">
+          <p:contentPart p14:bwMode="auto" r:id="rId21">
+            <p14:nvContentPartPr>
+              <p14:cNvPr id="21" name="Ink 20">
+                <a:extLst>
+                  <a:ext uri="{FF2B5EF4-FFF2-40B4-BE49-F238E27FC236}">
+                    <a16:creationId xmlns:a16="http://schemas.microsoft.com/office/drawing/2014/main" id="{CCCC7F3E-FEFF-6912-DCAC-36AB1B6EA553}"/>
+                  </a:ext>
+                </a:extLst>
+              </p14:cNvPr>
+              <p14:cNvContentPartPr/>
+              <p14:nvPr/>
+            </p14:nvContentPartPr>
+            <p14:xfrm>
+              <a:off x="757728" y="5732856"/>
+              <a:ext cx="38160" cy="42840"/>
+            </p14:xfrm>
+          </p:contentPart>
+        </mc:Choice>
+        <mc:Fallback>
+          <p:pic>
+            <p:nvPicPr>
+              <p:cNvPr id="21" name="Ink 20">
+                <a:extLst>
+                  <a:ext uri="{FF2B5EF4-FFF2-40B4-BE49-F238E27FC236}">
+                    <a16:creationId xmlns:a16="http://schemas.microsoft.com/office/drawing/2014/main" id="{CCCC7F3E-FEFF-6912-DCAC-36AB1B6EA553}"/>
                   </a:ext>
                 </a:extLst>
               </p:cNvPr>
@@ -9043,8 +9022,8 @@
             </p:blipFill>
             <p:spPr>
               <a:xfrm>
-                <a:off x="778608" y="5604336"/>
-                <a:ext cx="44280" cy="119520"/>
+                <a:off x="749088" y="5724216"/>
+                <a:ext cx="55800" cy="60480"/>
               </a:xfrm>
               <a:prstGeom prst="rect">
                 <a:avLst/>
@@ -9053,108 +9032,129 @@
           </p:pic>
         </mc:Fallback>
       </mc:AlternateContent>
-      <mc:AlternateContent xmlns:mc="http://schemas.openxmlformats.org/markup-compatibility/2006">
-        <mc:Choice xmlns:p14="http://schemas.microsoft.com/office/powerpoint/2010/main" Requires="p14">
-          <p:contentPart p14:bwMode="auto" r:id="rId23">
-            <p14:nvContentPartPr>
-              <p14:cNvPr id="27" name="Ink 26">
-                <a:extLst>
-                  <a:ext uri="{FF2B5EF4-FFF2-40B4-BE49-F238E27FC236}">
-                    <a16:creationId xmlns:a16="http://schemas.microsoft.com/office/drawing/2014/main" id="{9C38695E-E9BD-EE69-9F98-5974E5B5A4A6}"/>
-                  </a:ext>
-                </a:extLst>
-              </p14:cNvPr>
-              <p14:cNvContentPartPr/>
-              <p14:nvPr/>
-            </p14:nvContentPartPr>
-            <p14:xfrm>
-              <a:off x="749088" y="5705856"/>
-              <a:ext cx="65160" cy="48600"/>
-            </p14:xfrm>
-          </p:contentPart>
-        </mc:Choice>
-        <mc:Fallback>
-          <p:pic>
-            <p:nvPicPr>
-              <p:cNvPr id="27" name="Ink 26">
-                <a:extLst>
-                  <a:ext uri="{FF2B5EF4-FFF2-40B4-BE49-F238E27FC236}">
-                    <a16:creationId xmlns:a16="http://schemas.microsoft.com/office/drawing/2014/main" id="{9C38695E-E9BD-EE69-9F98-5974E5B5A4A6}"/>
-                  </a:ext>
-                </a:extLst>
-              </p:cNvPr>
-              <p:cNvPicPr/>
-              <p:nvPr/>
-            </p:nvPicPr>
-            <p:blipFill>
-              <a:blip r:embed="rId24"/>
-              <a:stretch>
-                <a:fillRect/>
-              </a:stretch>
-            </p:blipFill>
-            <p:spPr>
-              <a:xfrm>
-                <a:off x="740448" y="5696856"/>
-                <a:ext cx="82800" cy="66240"/>
-              </a:xfrm>
-              <a:prstGeom prst="rect">
-                <a:avLst/>
-              </a:prstGeom>
-            </p:spPr>
-          </p:pic>
-        </mc:Fallback>
-      </mc:AlternateContent>
-      <mc:AlternateContent xmlns:mc="http://schemas.openxmlformats.org/markup-compatibility/2006">
-        <mc:Choice xmlns:p14="http://schemas.microsoft.com/office/powerpoint/2010/main" Requires="p14">
-          <p:contentPart p14:bwMode="auto" r:id="rId25">
-            <p14:nvContentPartPr>
-              <p14:cNvPr id="28" name="Ink 27">
-                <a:extLst>
-                  <a:ext uri="{FF2B5EF4-FFF2-40B4-BE49-F238E27FC236}">
-                    <a16:creationId xmlns:a16="http://schemas.microsoft.com/office/drawing/2014/main" id="{B1831AD4-1125-98D8-85C3-375D4320A7D9}"/>
-                  </a:ext>
-                </a:extLst>
-              </p14:cNvPr>
-              <p14:cNvContentPartPr/>
-              <p14:nvPr/>
-            </p14:nvContentPartPr>
-            <p14:xfrm>
-              <a:off x="996768" y="5211936"/>
-              <a:ext cx="360" cy="360"/>
-            </p14:xfrm>
-          </p:contentPart>
-        </mc:Choice>
-        <mc:Fallback>
-          <p:pic>
-            <p:nvPicPr>
-              <p:cNvPr id="28" name="Ink 27">
-                <a:extLst>
-                  <a:ext uri="{FF2B5EF4-FFF2-40B4-BE49-F238E27FC236}">
-                    <a16:creationId xmlns:a16="http://schemas.microsoft.com/office/drawing/2014/main" id="{B1831AD4-1125-98D8-85C3-375D4320A7D9}"/>
-                  </a:ext>
-                </a:extLst>
-              </p:cNvPr>
-              <p:cNvPicPr/>
-              <p:nvPr/>
-            </p:nvPicPr>
-            <p:blipFill>
-              <a:blip r:embed="rId26"/>
-              <a:stretch>
-                <a:fillRect/>
-              </a:stretch>
-            </p:blipFill>
-            <p:spPr>
-              <a:xfrm>
-                <a:off x="987768" y="5202936"/>
-                <a:ext cx="18000" cy="18000"/>
-              </a:xfrm>
-              <a:prstGeom prst="rect">
-                <a:avLst/>
-              </a:prstGeom>
-            </p:spPr>
-          </p:pic>
-        </mc:Fallback>
-      </mc:AlternateContent>
+      <p:grpSp>
+        <p:nvGrpSpPr>
+          <p:cNvPr id="27" name="Group 26">
+            <a:extLst>
+              <a:ext uri="{FF2B5EF4-FFF2-40B4-BE49-F238E27FC236}">
+                <a16:creationId xmlns:a16="http://schemas.microsoft.com/office/drawing/2014/main" id="{8F100C08-274F-D486-C137-4CF839573DB9}"/>
+              </a:ext>
+            </a:extLst>
+          </p:cNvPr>
+          <p:cNvGrpSpPr/>
+          <p:nvPr/>
+        </p:nvGrpSpPr>
+        <p:grpSpPr>
+          <a:xfrm>
+            <a:off x="578088" y="5713056"/>
+            <a:ext cx="135360" cy="234000"/>
+            <a:chOff x="578088" y="5713056"/>
+            <a:chExt cx="135360" cy="234000"/>
+          </a:xfrm>
+        </p:grpSpPr>
+        <mc:AlternateContent xmlns:mc="http://schemas.openxmlformats.org/markup-compatibility/2006">
+          <mc:Choice xmlns:p14="http://schemas.microsoft.com/office/powerpoint/2010/main" Requires="p14">
+            <p:contentPart p14:bwMode="auto" r:id="rId23">
+              <p14:nvContentPartPr>
+                <p14:cNvPr id="25" name="Ink 24">
+                  <a:extLst>
+                    <a:ext uri="{FF2B5EF4-FFF2-40B4-BE49-F238E27FC236}">
+                      <a16:creationId xmlns:a16="http://schemas.microsoft.com/office/drawing/2014/main" id="{6689DE0B-2CB4-6A44-36A8-36FFB79879C3}"/>
+                    </a:ext>
+                  </a:extLst>
+                </p14:cNvPr>
+                <p14:cNvContentPartPr/>
+                <p14:nvPr/>
+              </p14:nvContentPartPr>
+              <p14:xfrm>
+                <a:off x="643248" y="5713056"/>
+                <a:ext cx="60840" cy="93600"/>
+              </p14:xfrm>
+            </p:contentPart>
+          </mc:Choice>
+          <mc:Fallback>
+            <p:pic>
+              <p:nvPicPr>
+                <p:cNvPr id="25" name="Ink 24">
+                  <a:extLst>
+                    <a:ext uri="{FF2B5EF4-FFF2-40B4-BE49-F238E27FC236}">
+                      <a16:creationId xmlns:a16="http://schemas.microsoft.com/office/drawing/2014/main" id="{6689DE0B-2CB4-6A44-36A8-36FFB79879C3}"/>
+                    </a:ext>
+                  </a:extLst>
+                </p:cNvPr>
+                <p:cNvPicPr/>
+                <p:nvPr/>
+              </p:nvPicPr>
+              <p:blipFill>
+                <a:blip r:embed="rId24"/>
+                <a:stretch>
+                  <a:fillRect/>
+                </a:stretch>
+              </p:blipFill>
+              <p:spPr>
+                <a:xfrm>
+                  <a:off x="634608" y="5704416"/>
+                  <a:ext cx="78480" cy="111240"/>
+                </a:xfrm>
+                <a:prstGeom prst="rect">
+                  <a:avLst/>
+                </a:prstGeom>
+              </p:spPr>
+            </p:pic>
+          </mc:Fallback>
+        </mc:AlternateContent>
+        <mc:AlternateContent xmlns:mc="http://schemas.openxmlformats.org/markup-compatibility/2006">
+          <mc:Choice xmlns:p14="http://schemas.microsoft.com/office/powerpoint/2010/main" Requires="p14">
+            <p:contentPart p14:bwMode="auto" r:id="rId25">
+              <p14:nvContentPartPr>
+                <p14:cNvPr id="26" name="Ink 25">
+                  <a:extLst>
+                    <a:ext uri="{FF2B5EF4-FFF2-40B4-BE49-F238E27FC236}">
+                      <a16:creationId xmlns:a16="http://schemas.microsoft.com/office/drawing/2014/main" id="{CBF85BAC-747B-AF2A-2042-8050E82DEE0F}"/>
+                    </a:ext>
+                  </a:extLst>
+                </p14:cNvPr>
+                <p14:cNvContentPartPr/>
+                <p14:nvPr/>
+              </p14:nvContentPartPr>
+              <p14:xfrm>
+                <a:off x="578088" y="5843016"/>
+                <a:ext cx="135360" cy="104040"/>
+              </p14:xfrm>
+            </p:contentPart>
+          </mc:Choice>
+          <mc:Fallback>
+            <p:pic>
+              <p:nvPicPr>
+                <p:cNvPr id="26" name="Ink 25">
+                  <a:extLst>
+                    <a:ext uri="{FF2B5EF4-FFF2-40B4-BE49-F238E27FC236}">
+                      <a16:creationId xmlns:a16="http://schemas.microsoft.com/office/drawing/2014/main" id="{CBF85BAC-747B-AF2A-2042-8050E82DEE0F}"/>
+                    </a:ext>
+                  </a:extLst>
+                </p:cNvPr>
+                <p:cNvPicPr/>
+                <p:nvPr/>
+              </p:nvPicPr>
+              <p:blipFill>
+                <a:blip r:embed="rId26"/>
+                <a:stretch>
+                  <a:fillRect/>
+                </a:stretch>
+              </p:blipFill>
+              <p:spPr>
+                <a:xfrm>
+                  <a:off x="569448" y="5834016"/>
+                  <a:ext cx="153000" cy="121680"/>
+                </a:xfrm>
+                <a:prstGeom prst="rect">
+                  <a:avLst/>
+                </a:prstGeom>
+              </p:spPr>
+            </p:pic>
+          </mc:Fallback>
+        </mc:AlternateContent>
+      </p:grpSp>
     </p:spTree>
     <p:extLst>
       <p:ext uri="{BB962C8B-B14F-4D97-AF65-F5344CB8AC3E}">
@@ -15348,6 +15348,15 @@
 </file>
 
 <file path=customXml/item1.xml><?xml version="1.0" encoding="utf-8"?>
+<?mso-contentType ?>
+<FormTemplates xmlns="http://schemas.microsoft.com/sharepoint/v3/contenttype/forms">
+  <Display>DocumentLibraryForm</Display>
+  <Edit>DocumentLibraryForm</Edit>
+  <New>DocumentLibraryForm</New>
+</FormTemplates>
+</file>
+
+<file path=customXml/item2.xml><?xml version="1.0" encoding="utf-8"?>
 <ct:contentTypeSchema xmlns:ct="http://schemas.microsoft.com/office/2006/metadata/contentType" xmlns:ma="http://schemas.microsoft.com/office/2006/metadata/properties/metaAttributes" ct:_="" ma:_="" ma:contentTypeName="Document" ma:contentTypeID="0x0101000229C98AAC6EAC46BA8E7D896C85123F" ma:contentTypeVersion="14" ma:contentTypeDescription="Create a new document." ma:contentTypeScope="" ma:versionID="a53733a194f6e2a5aed512577a8804e9">
   <xsd:schema xmlns:xsd="http://www.w3.org/2001/XMLSchema" xmlns:xs="http://www.w3.org/2001/XMLSchema" xmlns:p="http://schemas.microsoft.com/office/2006/metadata/properties" xmlns:ns2="99860e0e-9e99-48ed-85cf-ed56398403cb" xmlns:ns3="61150db6-8d68-41c5-bc78-090ddac52e03" targetNamespace="http://schemas.microsoft.com/office/2006/metadata/properties" ma:root="true" ma:fieldsID="794a6dd5cb43b092d54517ff433ddc7e" ns2:_="" ns3:_="">
     <xsd:import namespace="99860e0e-9e99-48ed-85cf-ed56398403cb"/>
@@ -15578,7 +15587,7 @@
 </ct:contentTypeSchema>
 </file>
 
-<file path=customXml/item2.xml><?xml version="1.0" encoding="utf-8"?>
+<file path=customXml/item3.xml><?xml version="1.0" encoding="utf-8"?>
 <p:properties xmlns:p="http://schemas.microsoft.com/office/2006/metadata/properties" xmlns:xsi="http://www.w3.org/2001/XMLSchema-instance" xmlns:pc="http://schemas.microsoft.com/office/infopath/2007/PartnerControls">
   <documentManagement>
     <lcf76f155ced4ddcb4097134ff3c332f xmlns="99860e0e-9e99-48ed-85cf-ed56398403cb">
@@ -15590,16 +15599,15 @@
 </p:properties>
 </file>
 
-<file path=customXml/item3.xml><?xml version="1.0" encoding="utf-8"?>
-<?mso-contentType ?>
-<FormTemplates xmlns="http://schemas.microsoft.com/sharepoint/v3/contenttype/forms">
-  <Display>DocumentLibraryForm</Display>
-  <Edit>DocumentLibraryForm</Edit>
-  <New>DocumentLibraryForm</New>
-</FormTemplates>
+<file path=customXml/itemProps1.xml><?xml version="1.0" encoding="utf-8"?>
+<ds:datastoreItem xmlns:ds="http://schemas.openxmlformats.org/officeDocument/2006/customXml" ds:itemID="{3E1DED10-8377-45AE-B301-3DFD21C713E5}">
+  <ds:schemaRefs>
+    <ds:schemaRef ds:uri="http://schemas.microsoft.com/sharepoint/v3/contenttype/forms"/>
+  </ds:schemaRefs>
+</ds:datastoreItem>
 </file>
 
-<file path=customXml/itemProps1.xml><?xml version="1.0" encoding="utf-8"?>
+<file path=customXml/itemProps2.xml><?xml version="1.0" encoding="utf-8"?>
 <ds:datastoreItem xmlns:ds="http://schemas.openxmlformats.org/officeDocument/2006/customXml" ds:itemID="{53693929-EF3E-4E55-B135-6A9381F4C993}">
   <ds:schemaRefs>
     <ds:schemaRef ds:uri="61150db6-8d68-41c5-bc78-090ddac52e03"/>
@@ -15618,7 +15626,7 @@
 </ds:datastoreItem>
 </file>
 
-<file path=customXml/itemProps2.xml><?xml version="1.0" encoding="utf-8"?>
+<file path=customXml/itemProps3.xml><?xml version="1.0" encoding="utf-8"?>
 <ds:datastoreItem xmlns:ds="http://schemas.openxmlformats.org/officeDocument/2006/customXml" ds:itemID="{7FAADC97-C5F4-4E1D-88C0-E963035DF0B9}">
   <ds:schemaRefs>
     <ds:schemaRef ds:uri="61150db6-8d68-41c5-bc78-090ddac52e03"/>
@@ -15627,12 +15635,4 @@
     <ds:schemaRef ds:uri="http://schemas.microsoft.com/office/infopath/2007/PartnerControls"/>
   </ds:schemaRefs>
 </ds:datastoreItem>
-</file>
-
-<file path=customXml/itemProps3.xml><?xml version="1.0" encoding="utf-8"?>
-<ds:datastoreItem xmlns:ds="http://schemas.openxmlformats.org/officeDocument/2006/customXml" ds:itemID="{3E1DED10-8377-45AE-B301-3DFD21C713E5}">
-  <ds:schemaRefs>
-    <ds:schemaRef ds:uri="http://schemas.microsoft.com/sharepoint/v3/contenttype/forms"/>
-  </ds:schemaRefs>
-</ds:datastoreItem>
 </file>